--- a/BINGE.pptx
+++ b/BINGE.pptx
@@ -4,10 +4,18 @@
   <p:sldMasterIdLst>
     <p:sldMasterId id="2147484728" r:id="rId1"/>
   </p:sldMasterIdLst>
+  <p:notesMasterIdLst>
+    <p:notesMasterId r:id="rId10"/>
+  </p:notesMasterIdLst>
   <p:sldIdLst>
     <p:sldId id="256" r:id="rId2"/>
     <p:sldId id="257" r:id="rId3"/>
     <p:sldId id="258" r:id="rId4"/>
+    <p:sldId id="259" r:id="rId5"/>
+    <p:sldId id="260" r:id="rId6"/>
+    <p:sldId id="262" r:id="rId7"/>
+    <p:sldId id="261" r:id="rId8"/>
+    <p:sldId id="263" r:id="rId9"/>
   </p:sldIdLst>
   <p:sldSz cx="9144000" cy="6858000" type="screen4x3"/>
   <p:notesSz cx="6858000" cy="9144000"/>
@@ -107,6 +115,457 @@
     </a:lvl9pPr>
   </p:defaultTextStyle>
 </p:presentation>
+</file>
+
+<file path=ppt/notesMasters/notesMaster1.xml><?xml version="1.0" encoding="utf-8"?>
+<p:notesMaster xmlns:a="http://schemas.openxmlformats.org/drawingml/2006/main" xmlns:r="http://schemas.openxmlformats.org/officeDocument/2006/relationships" xmlns:p="http://schemas.openxmlformats.org/presentationml/2006/main">
+  <p:cSld>
+    <p:bg>
+      <p:bgRef idx="1001">
+        <a:schemeClr val="bg1"/>
+      </p:bgRef>
+    </p:bg>
+    <p:spTree>
+      <p:nvGrpSpPr>
+        <p:cNvPr id="1" name=""/>
+        <p:cNvGrpSpPr/>
+        <p:nvPr/>
+      </p:nvGrpSpPr>
+      <p:grpSpPr>
+        <a:xfrm>
+          <a:off x="0" y="0"/>
+          <a:ext cx="0" cy="0"/>
+          <a:chOff x="0" y="0"/>
+          <a:chExt cx="0" cy="0"/>
+        </a:xfrm>
+      </p:grpSpPr>
+      <p:sp>
+        <p:nvSpPr>
+          <p:cNvPr id="2" name="Header Placeholder 1"/>
+          <p:cNvSpPr>
+            <a:spLocks noGrp="1"/>
+          </p:cNvSpPr>
+          <p:nvPr>
+            <p:ph type="hdr" sz="quarter"/>
+          </p:nvPr>
+        </p:nvSpPr>
+        <p:spPr>
+          <a:xfrm>
+            <a:off x="0" y="0"/>
+            <a:ext cx="2971800" cy="457200"/>
+          </a:xfrm>
+          <a:prstGeom prst="rect">
+            <a:avLst/>
+          </a:prstGeom>
+        </p:spPr>
+        <p:txBody>
+          <a:bodyPr vert="horz" lIns="91440" tIns="45720" rIns="91440" bIns="45720" rtlCol="0"/>
+          <a:lstStyle>
+            <a:lvl1pPr algn="l">
+              <a:defRPr sz="1200"/>
+            </a:lvl1pPr>
+          </a:lstStyle>
+          <a:p>
+            <a:endParaRPr lang="en-US"/>
+          </a:p>
+        </p:txBody>
+      </p:sp>
+      <p:sp>
+        <p:nvSpPr>
+          <p:cNvPr id="3" name="Date Placeholder 2"/>
+          <p:cNvSpPr>
+            <a:spLocks noGrp="1"/>
+          </p:cNvSpPr>
+          <p:nvPr>
+            <p:ph type="dt" idx="1"/>
+          </p:nvPr>
+        </p:nvSpPr>
+        <p:spPr>
+          <a:xfrm>
+            <a:off x="3884613" y="0"/>
+            <a:ext cx="2971800" cy="457200"/>
+          </a:xfrm>
+          <a:prstGeom prst="rect">
+            <a:avLst/>
+          </a:prstGeom>
+        </p:spPr>
+        <p:txBody>
+          <a:bodyPr vert="horz" lIns="91440" tIns="45720" rIns="91440" bIns="45720" rtlCol="0"/>
+          <a:lstStyle>
+            <a:lvl1pPr algn="r">
+              <a:defRPr sz="1200"/>
+            </a:lvl1pPr>
+          </a:lstStyle>
+          <a:p>
+            <a:fld id="{AEAE2C86-43CF-AB48-B6B6-87B79C1E0596}" type="datetimeFigureOut">
+              <a:rPr lang="en-US" smtClean="0"/>
+              <a:t>1/9/18</a:t>
+            </a:fld>
+            <a:endParaRPr lang="en-US"/>
+          </a:p>
+        </p:txBody>
+      </p:sp>
+      <p:sp>
+        <p:nvSpPr>
+          <p:cNvPr id="4" name="Slide Image Placeholder 3"/>
+          <p:cNvSpPr>
+            <a:spLocks noGrp="1" noRot="1" noChangeAspect="1"/>
+          </p:cNvSpPr>
+          <p:nvPr>
+            <p:ph type="sldImg" idx="2"/>
+          </p:nvPr>
+        </p:nvSpPr>
+        <p:spPr>
+          <a:xfrm>
+            <a:off x="1143000" y="685800"/>
+            <a:ext cx="4572000" cy="3429000"/>
+          </a:xfrm>
+          <a:prstGeom prst="rect">
+            <a:avLst/>
+          </a:prstGeom>
+          <a:noFill/>
+          <a:ln w="12700">
+            <a:solidFill>
+              <a:prstClr val="black"/>
+            </a:solidFill>
+          </a:ln>
+        </p:spPr>
+        <p:txBody>
+          <a:bodyPr vert="horz" lIns="91440" tIns="45720" rIns="91440" bIns="45720" rtlCol="0" anchor="ctr"/>
+          <a:lstStyle/>
+          <a:p>
+            <a:endParaRPr lang="en-US"/>
+          </a:p>
+        </p:txBody>
+      </p:sp>
+      <p:sp>
+        <p:nvSpPr>
+          <p:cNvPr id="5" name="Notes Placeholder 4"/>
+          <p:cNvSpPr>
+            <a:spLocks noGrp="1"/>
+          </p:cNvSpPr>
+          <p:nvPr>
+            <p:ph type="body" sz="quarter" idx="3"/>
+          </p:nvPr>
+        </p:nvSpPr>
+        <p:spPr>
+          <a:xfrm>
+            <a:off x="685800" y="4343400"/>
+            <a:ext cx="5486400" cy="4114800"/>
+          </a:xfrm>
+          <a:prstGeom prst="rect">
+            <a:avLst/>
+          </a:prstGeom>
+        </p:spPr>
+        <p:txBody>
+          <a:bodyPr vert="horz" lIns="91440" tIns="45720" rIns="91440" bIns="45720" rtlCol="0"/>
+          <a:lstStyle/>
+          <a:p>
+            <a:pPr lvl="0"/>
+            <a:r>
+              <a:rPr lang="en-US" smtClean="0"/>
+              <a:t>Click to edit Master text styles</a:t>
+            </a:r>
+          </a:p>
+          <a:p>
+            <a:pPr lvl="1"/>
+            <a:r>
+              <a:rPr lang="en-US" smtClean="0"/>
+              <a:t>Second level</a:t>
+            </a:r>
+          </a:p>
+          <a:p>
+            <a:pPr lvl="2"/>
+            <a:r>
+              <a:rPr lang="en-US" smtClean="0"/>
+              <a:t>Third level</a:t>
+            </a:r>
+          </a:p>
+          <a:p>
+            <a:pPr lvl="3"/>
+            <a:r>
+              <a:rPr lang="en-US" smtClean="0"/>
+              <a:t>Fourth level</a:t>
+            </a:r>
+          </a:p>
+          <a:p>
+            <a:pPr lvl="4"/>
+            <a:r>
+              <a:rPr lang="en-US" smtClean="0"/>
+              <a:t>Fifth level</a:t>
+            </a:r>
+            <a:endParaRPr lang="en-US"/>
+          </a:p>
+        </p:txBody>
+      </p:sp>
+      <p:sp>
+        <p:nvSpPr>
+          <p:cNvPr id="6" name="Footer Placeholder 5"/>
+          <p:cNvSpPr>
+            <a:spLocks noGrp="1"/>
+          </p:cNvSpPr>
+          <p:nvPr>
+            <p:ph type="ftr" sz="quarter" idx="4"/>
+          </p:nvPr>
+        </p:nvSpPr>
+        <p:spPr>
+          <a:xfrm>
+            <a:off x="0" y="8685213"/>
+            <a:ext cx="2971800" cy="457200"/>
+          </a:xfrm>
+          <a:prstGeom prst="rect">
+            <a:avLst/>
+          </a:prstGeom>
+        </p:spPr>
+        <p:txBody>
+          <a:bodyPr vert="horz" lIns="91440" tIns="45720" rIns="91440" bIns="45720" rtlCol="0" anchor="b"/>
+          <a:lstStyle>
+            <a:lvl1pPr algn="l">
+              <a:defRPr sz="1200"/>
+            </a:lvl1pPr>
+          </a:lstStyle>
+          <a:p>
+            <a:endParaRPr lang="en-US"/>
+          </a:p>
+        </p:txBody>
+      </p:sp>
+      <p:sp>
+        <p:nvSpPr>
+          <p:cNvPr id="7" name="Slide Number Placeholder 6"/>
+          <p:cNvSpPr>
+            <a:spLocks noGrp="1"/>
+          </p:cNvSpPr>
+          <p:nvPr>
+            <p:ph type="sldNum" sz="quarter" idx="5"/>
+          </p:nvPr>
+        </p:nvSpPr>
+        <p:spPr>
+          <a:xfrm>
+            <a:off x="3884613" y="8685213"/>
+            <a:ext cx="2971800" cy="457200"/>
+          </a:xfrm>
+          <a:prstGeom prst="rect">
+            <a:avLst/>
+          </a:prstGeom>
+        </p:spPr>
+        <p:txBody>
+          <a:bodyPr vert="horz" lIns="91440" tIns="45720" rIns="91440" bIns="45720" rtlCol="0" anchor="b"/>
+          <a:lstStyle>
+            <a:lvl1pPr algn="r">
+              <a:defRPr sz="1200"/>
+            </a:lvl1pPr>
+          </a:lstStyle>
+          <a:p>
+            <a:fld id="{C2CFD391-D631-2A41-A876-52306458E107}" type="slidenum">
+              <a:rPr lang="en-US" smtClean="0"/>
+              <a:t>‹#›</a:t>
+            </a:fld>
+            <a:endParaRPr lang="en-US"/>
+          </a:p>
+        </p:txBody>
+      </p:sp>
+    </p:spTree>
+    <p:extLst>
+      <p:ext uri="{BB962C8B-B14F-4D97-AF65-F5344CB8AC3E}">
+        <p14:creationId xmlns:p14="http://schemas.microsoft.com/office/powerpoint/2010/main" val="2865510858"/>
+      </p:ext>
+    </p:extLst>
+  </p:cSld>
+  <p:clrMap bg1="lt1" tx1="dk1" bg2="lt2" tx2="dk2" accent1="accent1" accent2="accent2" accent3="accent3" accent4="accent4" accent5="accent5" accent6="accent6" hlink="hlink" folHlink="folHlink"/>
+  <p:notesStyle>
+    <a:lvl1pPr marL="0" algn="l" defTabSz="457200" rtl="0" eaLnBrk="1" latinLnBrk="0" hangingPunct="1">
+      <a:defRPr sz="1200" kern="1200">
+        <a:solidFill>
+          <a:schemeClr val="tx1"/>
+        </a:solidFill>
+        <a:latin typeface="+mn-lt"/>
+        <a:ea typeface="+mn-ea"/>
+        <a:cs typeface="+mn-cs"/>
+      </a:defRPr>
+    </a:lvl1pPr>
+    <a:lvl2pPr marL="457200" algn="l" defTabSz="457200" rtl="0" eaLnBrk="1" latinLnBrk="0" hangingPunct="1">
+      <a:defRPr sz="1200" kern="1200">
+        <a:solidFill>
+          <a:schemeClr val="tx1"/>
+        </a:solidFill>
+        <a:latin typeface="+mn-lt"/>
+        <a:ea typeface="+mn-ea"/>
+        <a:cs typeface="+mn-cs"/>
+      </a:defRPr>
+    </a:lvl2pPr>
+    <a:lvl3pPr marL="914400" algn="l" defTabSz="457200" rtl="0" eaLnBrk="1" latinLnBrk="0" hangingPunct="1">
+      <a:defRPr sz="1200" kern="1200">
+        <a:solidFill>
+          <a:schemeClr val="tx1"/>
+        </a:solidFill>
+        <a:latin typeface="+mn-lt"/>
+        <a:ea typeface="+mn-ea"/>
+        <a:cs typeface="+mn-cs"/>
+      </a:defRPr>
+    </a:lvl3pPr>
+    <a:lvl4pPr marL="1371600" algn="l" defTabSz="457200" rtl="0" eaLnBrk="1" latinLnBrk="0" hangingPunct="1">
+      <a:defRPr sz="1200" kern="1200">
+        <a:solidFill>
+          <a:schemeClr val="tx1"/>
+        </a:solidFill>
+        <a:latin typeface="+mn-lt"/>
+        <a:ea typeface="+mn-ea"/>
+        <a:cs typeface="+mn-cs"/>
+      </a:defRPr>
+    </a:lvl4pPr>
+    <a:lvl5pPr marL="1828800" algn="l" defTabSz="457200" rtl="0" eaLnBrk="1" latinLnBrk="0" hangingPunct="1">
+      <a:defRPr sz="1200" kern="1200">
+        <a:solidFill>
+          <a:schemeClr val="tx1"/>
+        </a:solidFill>
+        <a:latin typeface="+mn-lt"/>
+        <a:ea typeface="+mn-ea"/>
+        <a:cs typeface="+mn-cs"/>
+      </a:defRPr>
+    </a:lvl5pPr>
+    <a:lvl6pPr marL="2286000" algn="l" defTabSz="457200" rtl="0" eaLnBrk="1" latinLnBrk="0" hangingPunct="1">
+      <a:defRPr sz="1200" kern="1200">
+        <a:solidFill>
+          <a:schemeClr val="tx1"/>
+        </a:solidFill>
+        <a:latin typeface="+mn-lt"/>
+        <a:ea typeface="+mn-ea"/>
+        <a:cs typeface="+mn-cs"/>
+      </a:defRPr>
+    </a:lvl6pPr>
+    <a:lvl7pPr marL="2743200" algn="l" defTabSz="457200" rtl="0" eaLnBrk="1" latinLnBrk="0" hangingPunct="1">
+      <a:defRPr sz="1200" kern="1200">
+        <a:solidFill>
+          <a:schemeClr val="tx1"/>
+        </a:solidFill>
+        <a:latin typeface="+mn-lt"/>
+        <a:ea typeface="+mn-ea"/>
+        <a:cs typeface="+mn-cs"/>
+      </a:defRPr>
+    </a:lvl7pPr>
+    <a:lvl8pPr marL="3200400" algn="l" defTabSz="457200" rtl="0" eaLnBrk="1" latinLnBrk="0" hangingPunct="1">
+      <a:defRPr sz="1200" kern="1200">
+        <a:solidFill>
+          <a:schemeClr val="tx1"/>
+        </a:solidFill>
+        <a:latin typeface="+mn-lt"/>
+        <a:ea typeface="+mn-ea"/>
+        <a:cs typeface="+mn-cs"/>
+      </a:defRPr>
+    </a:lvl8pPr>
+    <a:lvl9pPr marL="3657600" algn="l" defTabSz="457200" rtl="0" eaLnBrk="1" latinLnBrk="0" hangingPunct="1">
+      <a:defRPr sz="1200" kern="1200">
+        <a:solidFill>
+          <a:schemeClr val="tx1"/>
+        </a:solidFill>
+        <a:latin typeface="+mn-lt"/>
+        <a:ea typeface="+mn-ea"/>
+        <a:cs typeface="+mn-cs"/>
+      </a:defRPr>
+    </a:lvl9pPr>
+  </p:notesStyle>
+</p:notesMaster>
+</file>
+
+<file path=ppt/notesSlides/notesSlide1.xml><?xml version="1.0" encoding="utf-8"?>
+<p:notes xmlns:a="http://schemas.openxmlformats.org/drawingml/2006/main" xmlns:r="http://schemas.openxmlformats.org/officeDocument/2006/relationships" xmlns:p="http://schemas.openxmlformats.org/presentationml/2006/main">
+  <p:cSld>
+    <p:spTree>
+      <p:nvGrpSpPr>
+        <p:cNvPr id="1" name=""/>
+        <p:cNvGrpSpPr/>
+        <p:nvPr/>
+      </p:nvGrpSpPr>
+      <p:grpSpPr>
+        <a:xfrm>
+          <a:off x="0" y="0"/>
+          <a:ext cx="0" cy="0"/>
+          <a:chOff x="0" y="0"/>
+          <a:chExt cx="0" cy="0"/>
+        </a:xfrm>
+      </p:grpSpPr>
+      <p:sp>
+        <p:nvSpPr>
+          <p:cNvPr id="2" name="Slide Image Placeholder 1"/>
+          <p:cNvSpPr>
+            <a:spLocks noGrp="1" noRot="1" noChangeAspect="1"/>
+          </p:cNvSpPr>
+          <p:nvPr>
+            <p:ph type="sldImg"/>
+          </p:nvPr>
+        </p:nvSpPr>
+        <p:spPr/>
+      </p:sp>
+      <p:sp>
+        <p:nvSpPr>
+          <p:cNvPr id="3" name="Notes Placeholder 2"/>
+          <p:cNvSpPr>
+            <a:spLocks noGrp="1"/>
+          </p:cNvSpPr>
+          <p:nvPr>
+            <p:ph type="body" idx="1"/>
+          </p:nvPr>
+        </p:nvSpPr>
+        <p:spPr/>
+        <p:txBody>
+          <a:bodyPr/>
+          <a:lstStyle/>
+          <a:p>
+            <a:pPr marL="0" marR="0" indent="0" algn="l" defTabSz="457200" rtl="0" eaLnBrk="1" fontAlgn="auto" latinLnBrk="0" hangingPunct="1">
+              <a:lnSpc>
+                <a:spcPct val="100000"/>
+              </a:lnSpc>
+              <a:spcBef>
+                <a:spcPts val="0"/>
+              </a:spcBef>
+              <a:spcAft>
+                <a:spcPts val="0"/>
+              </a:spcAft>
+              <a:buClrTx/>
+              <a:buSzTx/>
+              <a:buFontTx/>
+              <a:buNone/>
+              <a:tabLst/>
+              <a:defRPr/>
+            </a:pPr>
+            <a:endParaRPr lang="en-US" dirty="0"/>
+          </a:p>
+        </p:txBody>
+      </p:sp>
+      <p:sp>
+        <p:nvSpPr>
+          <p:cNvPr id="4" name="Slide Number Placeholder 3"/>
+          <p:cNvSpPr>
+            <a:spLocks noGrp="1"/>
+          </p:cNvSpPr>
+          <p:nvPr>
+            <p:ph type="sldNum" sz="quarter" idx="10"/>
+          </p:nvPr>
+        </p:nvSpPr>
+        <p:spPr/>
+        <p:txBody>
+          <a:bodyPr/>
+          <a:lstStyle/>
+          <a:p>
+            <a:fld id="{C2CFD391-D631-2A41-A876-52306458E107}" type="slidenum">
+              <a:rPr lang="en-US" smtClean="0"/>
+              <a:t>5</a:t>
+            </a:fld>
+            <a:endParaRPr lang="en-US"/>
+          </a:p>
+        </p:txBody>
+      </p:sp>
+    </p:spTree>
+    <p:extLst>
+      <p:ext uri="{BB962C8B-B14F-4D97-AF65-F5344CB8AC3E}">
+        <p14:creationId xmlns:p14="http://schemas.microsoft.com/office/powerpoint/2010/main" val="1915051421"/>
+      </p:ext>
+    </p:extLst>
+  </p:cSld>
+  <p:clrMapOvr>
+    <a:masterClrMapping/>
+  </p:clrMapOvr>
+</p:notes>
 </file>
 
 <file path=ppt/slideLayouts/slideLayout1.xml><?xml version="1.0" encoding="utf-8"?>
@@ -3640,6 +4099,13 @@
   <p:clrMapOvr>
     <a:masterClrMapping/>
   </p:clrMapOvr>
+  <p:timing>
+    <p:tnLst>
+      <p:par>
+        <p:cTn xmlns:p14="http://schemas.microsoft.com/office/powerpoint/2010/main" id="1" dur="indefinite" restart="never" nodeType="tmRoot"/>
+      </p:par>
+    </p:tnLst>
+  </p:timing>
 </p:sld>
 </file>
 
@@ -3670,72 +4136,71 @@
             <p:ph type="title"/>
           </p:nvPr>
         </p:nvSpPr>
-        <p:spPr/>
-        <p:txBody>
-          <a:bodyPr/>
-          <a:lstStyle/>
-          <a:p>
-            <a:r>
-              <a:rPr lang="en-US" dirty="0" smtClean="0"/>
-              <a:t>Story</a:t>
-            </a:r>
-            <a:endParaRPr lang="en-US" dirty="0"/>
-          </a:p>
-        </p:txBody>
-      </p:sp>
-      <p:sp>
-        <p:nvSpPr>
-          <p:cNvPr id="3" name="Content Placeholder 2"/>
-          <p:cNvSpPr>
-            <a:spLocks noGrp="1"/>
-          </p:cNvSpPr>
-          <p:nvPr>
-            <p:ph sz="quarter" idx="13"/>
-          </p:nvPr>
-        </p:nvSpPr>
-        <p:spPr/>
-        <p:txBody>
-          <a:bodyPr/>
-          <a:lstStyle/>
-          <a:p>
-            <a:r>
-              <a:rPr lang="en-US" dirty="0" smtClean="0"/>
-              <a:t>We made this because reasons </a:t>
-            </a:r>
-            <a:endParaRPr lang="en-US" dirty="0"/>
-          </a:p>
-        </p:txBody>
-      </p:sp>
-      <p:pic>
-        <p:nvPicPr>
-          <p:cNvPr id="4" name="Picture 3" descr="orange_circle.png"/>
-          <p:cNvPicPr>
-            <a:picLocks noChangeAspect="1"/>
-          </p:cNvPicPr>
-          <p:nvPr/>
-        </p:nvPicPr>
-        <p:blipFill>
-          <a:blip r:embed="rId2">
-            <a:extLst>
-              <a:ext uri="{28A0092B-C50C-407E-A947-70E740481C1C}">
-                <a14:useLocalDpi xmlns:a14="http://schemas.microsoft.com/office/drawing/2010/main" val="0"/>
-              </a:ext>
-            </a:extLst>
-          </a:blip>
-          <a:stretch>
-            <a:fillRect/>
-          </a:stretch>
-        </p:blipFill>
         <p:spPr>
           <a:xfrm>
-            <a:off x="931147" y="-1158047"/>
-            <a:ext cx="9271637" cy="9322621"/>
+            <a:off x="609600" y="1943221"/>
+            <a:ext cx="7924800" cy="1143000"/>
           </a:xfrm>
-          <a:prstGeom prst="rect">
-            <a:avLst/>
-          </a:prstGeom>
         </p:spPr>
-      </p:pic>
+        <p:txBody>
+          <a:bodyPr/>
+          <a:lstStyle/>
+          <a:p>
+            <a:r>
+              <a:rPr lang="en-US" dirty="0" smtClean="0"/>
+              <a:t>What is binge?</a:t>
+            </a:r>
+            <a:endParaRPr lang="en-US" dirty="0"/>
+          </a:p>
+        </p:txBody>
+      </p:sp>
+      <p:sp>
+        <p:nvSpPr>
+          <p:cNvPr id="3" name="Content Placeholder 2"/>
+          <p:cNvSpPr>
+            <a:spLocks noGrp="1"/>
+          </p:cNvSpPr>
+          <p:nvPr>
+            <p:ph sz="quarter" idx="13"/>
+          </p:nvPr>
+        </p:nvSpPr>
+        <p:spPr>
+          <a:xfrm>
+            <a:off x="609600" y="3256330"/>
+            <a:ext cx="7924800" cy="1923747"/>
+          </a:xfrm>
+        </p:spPr>
+        <p:txBody>
+          <a:bodyPr/>
+          <a:lstStyle/>
+          <a:p>
+            <a:r>
+              <a:rPr lang="en-US" dirty="0" smtClean="0"/>
+              <a:t>Whether it be a relaxing night at home, watching party, or a date night; BINGE is your one stop shop guide for an evening of consuming. </a:t>
+            </a:r>
+          </a:p>
+          <a:p>
+            <a:r>
+              <a:rPr lang="en-US" dirty="0" smtClean="0"/>
+              <a:t>You can add to/view a list of books, </a:t>
+            </a:r>
+            <a:r>
+              <a:rPr lang="en-US" dirty="0" err="1" smtClean="0"/>
+              <a:t>tv</a:t>
+            </a:r>
+            <a:r>
+              <a:rPr lang="en-US" dirty="0" smtClean="0"/>
+              <a:t> shows, movies  and the drinks and meals people enjoy pairing with them</a:t>
+            </a:r>
+          </a:p>
+          <a:p>
+            <a:r>
+              <a:rPr lang="en-US" dirty="0" smtClean="0"/>
+              <a:t>You can vote to help the best combinations achieve a higher rating </a:t>
+            </a:r>
+          </a:p>
+        </p:txBody>
+      </p:sp>
     </p:spTree>
     <p:extLst>
       <p:ext uri="{BB962C8B-B14F-4D97-AF65-F5344CB8AC3E}">
@@ -3746,6 +4211,13 @@
   <p:clrMapOvr>
     <a:masterClrMapping/>
   </p:clrMapOvr>
+  <p:timing>
+    <p:tnLst>
+      <p:par>
+        <p:cTn xmlns:p14="http://schemas.microsoft.com/office/powerpoint/2010/main" id="1" dur="indefinite" restart="never" nodeType="tmRoot"/>
+      </p:par>
+    </p:tnLst>
+  </p:timing>
 </p:sld>
 </file>
 
@@ -3806,42 +4278,12 @@
           <a:p>
             <a:r>
               <a:rPr lang="en-US" dirty="0" smtClean="0"/>
-              <a:t>We made this because reasons </a:t>
+              <a:t>THIS IS THE GOOD STUFF</a:t>
             </a:r>
             <a:endParaRPr lang="en-US" dirty="0"/>
           </a:p>
         </p:txBody>
       </p:sp>
-      <p:pic>
-        <p:nvPicPr>
-          <p:cNvPr id="4" name="Picture 3" descr="orange_circle.png"/>
-          <p:cNvPicPr>
-            <a:picLocks noChangeAspect="1"/>
-          </p:cNvPicPr>
-          <p:nvPr/>
-        </p:nvPicPr>
-        <p:blipFill>
-          <a:blip r:embed="rId2">
-            <a:extLst>
-              <a:ext uri="{28A0092B-C50C-407E-A947-70E740481C1C}">
-                <a14:useLocalDpi xmlns:a14="http://schemas.microsoft.com/office/drawing/2010/main" val="0"/>
-              </a:ext>
-            </a:extLst>
-          </a:blip>
-          <a:stretch>
-            <a:fillRect/>
-          </a:stretch>
-        </p:blipFill>
-        <p:spPr>
-          <a:xfrm>
-            <a:off x="2652148" y="-747127"/>
-            <a:ext cx="9271637" cy="9322621"/>
-          </a:xfrm>
-          <a:prstGeom prst="rect">
-            <a:avLst/>
-          </a:prstGeom>
-        </p:spPr>
-      </p:pic>
     </p:spTree>
     <p:extLst>
       <p:ext uri="{BB962C8B-B14F-4D97-AF65-F5344CB8AC3E}">
@@ -3852,6 +4294,553 @@
   <p:clrMapOvr>
     <a:masterClrMapping/>
   </p:clrMapOvr>
+  <p:timing>
+    <p:tnLst>
+      <p:par>
+        <p:cTn xmlns:p14="http://schemas.microsoft.com/office/powerpoint/2010/main" id="1" dur="indefinite" restart="never" nodeType="tmRoot"/>
+      </p:par>
+    </p:tnLst>
+  </p:timing>
+</p:sld>
+</file>
+
+<file path=ppt/slides/slide4.xml><?xml version="1.0" encoding="utf-8"?>
+<p:sld xmlns:a="http://schemas.openxmlformats.org/drawingml/2006/main" xmlns:r="http://schemas.openxmlformats.org/officeDocument/2006/relationships" xmlns:p="http://schemas.openxmlformats.org/presentationml/2006/main">
+  <p:cSld>
+    <p:spTree>
+      <p:nvGrpSpPr>
+        <p:cNvPr id="1" name=""/>
+        <p:cNvGrpSpPr/>
+        <p:nvPr/>
+      </p:nvGrpSpPr>
+      <p:grpSpPr>
+        <a:xfrm>
+          <a:off x="0" y="0"/>
+          <a:ext cx="0" cy="0"/>
+          <a:chOff x="0" y="0"/>
+          <a:chExt cx="0" cy="0"/>
+        </a:xfrm>
+      </p:grpSpPr>
+      <p:sp>
+        <p:nvSpPr>
+          <p:cNvPr id="2" name="Title 1"/>
+          <p:cNvSpPr>
+            <a:spLocks noGrp="1"/>
+          </p:cNvSpPr>
+          <p:nvPr>
+            <p:ph type="title"/>
+          </p:nvPr>
+        </p:nvSpPr>
+        <p:spPr/>
+        <p:txBody>
+          <a:bodyPr/>
+          <a:lstStyle/>
+          <a:p>
+            <a:endParaRPr lang="en-US"/>
+          </a:p>
+        </p:txBody>
+      </p:sp>
+      <p:sp>
+        <p:nvSpPr>
+          <p:cNvPr id="3" name="Content Placeholder 2"/>
+          <p:cNvSpPr>
+            <a:spLocks noGrp="1"/>
+          </p:cNvSpPr>
+          <p:nvPr>
+            <p:ph sz="quarter" idx="13"/>
+          </p:nvPr>
+        </p:nvSpPr>
+        <p:spPr/>
+        <p:txBody>
+          <a:bodyPr/>
+          <a:lstStyle/>
+          <a:p>
+            <a:endParaRPr lang="en-US"/>
+          </a:p>
+        </p:txBody>
+      </p:sp>
+    </p:spTree>
+    <p:extLst>
+      <p:ext uri="{BB962C8B-B14F-4D97-AF65-F5344CB8AC3E}">
+        <p14:creationId xmlns:p14="http://schemas.microsoft.com/office/powerpoint/2010/main" val="3705730583"/>
+      </p:ext>
+    </p:extLst>
+  </p:cSld>
+  <p:clrMapOvr>
+    <a:masterClrMapping/>
+  </p:clrMapOvr>
+  <p:timing>
+    <p:tnLst>
+      <p:par>
+        <p:cTn xmlns:p14="http://schemas.microsoft.com/office/powerpoint/2010/main" id="1" dur="indefinite" restart="never" nodeType="tmRoot"/>
+      </p:par>
+    </p:tnLst>
+  </p:timing>
+</p:sld>
+</file>
+
+<file path=ppt/slides/slide5.xml><?xml version="1.0" encoding="utf-8"?>
+<p:sld xmlns:a="http://schemas.openxmlformats.org/drawingml/2006/main" xmlns:r="http://schemas.openxmlformats.org/officeDocument/2006/relationships" xmlns:p="http://schemas.openxmlformats.org/presentationml/2006/main">
+  <p:cSld>
+    <p:spTree>
+      <p:nvGrpSpPr>
+        <p:cNvPr id="1" name=""/>
+        <p:cNvGrpSpPr/>
+        <p:nvPr/>
+      </p:nvGrpSpPr>
+      <p:grpSpPr>
+        <a:xfrm>
+          <a:off x="0" y="0"/>
+          <a:ext cx="0" cy="0"/>
+          <a:chOff x="0" y="0"/>
+          <a:chExt cx="0" cy="0"/>
+        </a:xfrm>
+      </p:grpSpPr>
+      <p:sp>
+        <p:nvSpPr>
+          <p:cNvPr id="2" name="Title 1"/>
+          <p:cNvSpPr>
+            <a:spLocks noGrp="1"/>
+          </p:cNvSpPr>
+          <p:nvPr>
+            <p:ph type="title"/>
+          </p:nvPr>
+        </p:nvSpPr>
+        <p:spPr>
+          <a:xfrm>
+            <a:off x="609600" y="1258355"/>
+            <a:ext cx="7924800" cy="1143000"/>
+          </a:xfrm>
+        </p:spPr>
+        <p:txBody>
+          <a:bodyPr/>
+          <a:lstStyle/>
+          <a:p>
+            <a:r>
+              <a:rPr lang="en-US" dirty="0" smtClean="0"/>
+              <a:t>App breakdown </a:t>
+            </a:r>
+            <a:endParaRPr lang="en-US" dirty="0"/>
+          </a:p>
+        </p:txBody>
+      </p:sp>
+      <p:sp>
+        <p:nvSpPr>
+          <p:cNvPr id="3" name="Content Placeholder 2"/>
+          <p:cNvSpPr>
+            <a:spLocks noGrp="1"/>
+          </p:cNvSpPr>
+          <p:nvPr>
+            <p:ph sz="quarter" idx="13"/>
+          </p:nvPr>
+        </p:nvSpPr>
+        <p:spPr>
+          <a:xfrm>
+            <a:off x="609600" y="2559011"/>
+            <a:ext cx="7924800" cy="3218768"/>
+          </a:xfrm>
+        </p:spPr>
+        <p:txBody>
+          <a:bodyPr>
+            <a:normAutofit/>
+          </a:bodyPr>
+          <a:lstStyle/>
+          <a:p>
+            <a:pPr marL="0" indent="0">
+              <a:buNone/>
+            </a:pPr>
+            <a:r>
+              <a:rPr lang="en-US" dirty="0" smtClean="0"/>
+              <a:t>Basic Features</a:t>
+            </a:r>
+            <a:endParaRPr lang="en-US" dirty="0"/>
+          </a:p>
+          <a:p>
+            <a:r>
+              <a:rPr lang="en-US" dirty="0"/>
+              <a:t>- User can input book or movie &amp; a pairing of food and drink.</a:t>
+            </a:r>
+          </a:p>
+          <a:p>
+            <a:r>
+              <a:rPr lang="en-US" dirty="0"/>
+              <a:t>- User can input URL's for food &amp; drink recipes</a:t>
+            </a:r>
+          </a:p>
+          <a:p>
+            <a:r>
+              <a:rPr lang="en-US" dirty="0"/>
+              <a:t>- User can view all in the DB</a:t>
+            </a:r>
+          </a:p>
+          <a:p>
+            <a:pPr marL="0" indent="0">
+              <a:buNone/>
+            </a:pPr>
+            <a:r>
+              <a:rPr lang="en-US" dirty="0" smtClean="0"/>
+              <a:t>Version 2</a:t>
+            </a:r>
+            <a:endParaRPr lang="en-US" dirty="0"/>
+          </a:p>
+          <a:p>
+            <a:r>
+              <a:rPr lang="en-US" dirty="0"/>
+              <a:t>- Users can vote on favorite pairings</a:t>
+            </a:r>
+          </a:p>
+          <a:p>
+            <a:r>
+              <a:rPr lang="en-US" dirty="0"/>
+              <a:t>- User "profiles" lets you view a specific user's </a:t>
+            </a:r>
+            <a:r>
+              <a:rPr lang="en-US" dirty="0" smtClean="0"/>
+              <a:t>pairings</a:t>
+            </a:r>
+            <a:endParaRPr lang="en-US" dirty="0"/>
+          </a:p>
+        </p:txBody>
+      </p:sp>
+    </p:spTree>
+    <p:extLst>
+      <p:ext uri="{BB962C8B-B14F-4D97-AF65-F5344CB8AC3E}">
+        <p14:creationId xmlns:p14="http://schemas.microsoft.com/office/powerpoint/2010/main" val="1715728535"/>
+      </p:ext>
+    </p:extLst>
+  </p:cSld>
+  <p:clrMapOvr>
+    <a:masterClrMapping/>
+  </p:clrMapOvr>
+  <p:timing>
+    <p:tnLst>
+      <p:par>
+        <p:cTn xmlns:p14="http://schemas.microsoft.com/office/powerpoint/2010/main" id="1" dur="indefinite" restart="never" nodeType="tmRoot"/>
+      </p:par>
+    </p:tnLst>
+  </p:timing>
+</p:sld>
+</file>
+
+<file path=ppt/slides/slide6.xml><?xml version="1.0" encoding="utf-8"?>
+<p:sld xmlns:a="http://schemas.openxmlformats.org/drawingml/2006/main" xmlns:r="http://schemas.openxmlformats.org/officeDocument/2006/relationships" xmlns:p="http://schemas.openxmlformats.org/presentationml/2006/main">
+  <p:cSld>
+    <p:spTree>
+      <p:nvGrpSpPr>
+        <p:cNvPr id="1" name=""/>
+        <p:cNvGrpSpPr/>
+        <p:nvPr/>
+      </p:nvGrpSpPr>
+      <p:grpSpPr>
+        <a:xfrm>
+          <a:off x="0" y="0"/>
+          <a:ext cx="0" cy="0"/>
+          <a:chOff x="0" y="0"/>
+          <a:chExt cx="0" cy="0"/>
+        </a:xfrm>
+      </p:grpSpPr>
+      <p:sp>
+        <p:nvSpPr>
+          <p:cNvPr id="2" name="Title 1"/>
+          <p:cNvSpPr>
+            <a:spLocks noGrp="1"/>
+          </p:cNvSpPr>
+          <p:nvPr>
+            <p:ph type="title"/>
+          </p:nvPr>
+        </p:nvSpPr>
+        <p:spPr/>
+        <p:txBody>
+          <a:bodyPr/>
+          <a:lstStyle/>
+          <a:p>
+            <a:r>
+              <a:rPr lang="en-US" dirty="0" smtClean="0"/>
+              <a:t>Challenges and successes</a:t>
+            </a:r>
+            <a:endParaRPr lang="en-US" dirty="0"/>
+          </a:p>
+        </p:txBody>
+      </p:sp>
+      <p:sp>
+        <p:nvSpPr>
+          <p:cNvPr id="3" name="Content Placeholder 2"/>
+          <p:cNvSpPr>
+            <a:spLocks noGrp="1"/>
+          </p:cNvSpPr>
+          <p:nvPr>
+            <p:ph sz="quarter" idx="13"/>
+          </p:nvPr>
+        </p:nvSpPr>
+        <p:spPr/>
+        <p:txBody>
+          <a:bodyPr/>
+          <a:lstStyle/>
+          <a:p>
+            <a:r>
+              <a:rPr lang="en-US" dirty="0" smtClean="0"/>
+              <a:t>User Accounts </a:t>
+            </a:r>
+            <a:r>
+              <a:rPr lang="mr-IN" dirty="0" smtClean="0"/>
+              <a:t>–</a:t>
+            </a:r>
+            <a:r>
+              <a:rPr lang="en-US" dirty="0" smtClean="0"/>
+              <a:t> Via passport</a:t>
+            </a:r>
+            <a:endParaRPr lang="en-US" dirty="0"/>
+          </a:p>
+        </p:txBody>
+      </p:sp>
+    </p:spTree>
+    <p:extLst>
+      <p:ext uri="{BB962C8B-B14F-4D97-AF65-F5344CB8AC3E}">
+        <p14:creationId xmlns:p14="http://schemas.microsoft.com/office/powerpoint/2010/main" val="1712950527"/>
+      </p:ext>
+    </p:extLst>
+  </p:cSld>
+  <p:clrMapOvr>
+    <a:masterClrMapping/>
+  </p:clrMapOvr>
+  <p:timing>
+    <p:tnLst>
+      <p:par>
+        <p:cTn xmlns:p14="http://schemas.microsoft.com/office/powerpoint/2010/main" id="1" dur="indefinite" restart="never" nodeType="tmRoot"/>
+      </p:par>
+    </p:tnLst>
+  </p:timing>
+</p:sld>
+</file>
+
+<file path=ppt/slides/slide7.xml><?xml version="1.0" encoding="utf-8"?>
+<p:sld xmlns:a="http://schemas.openxmlformats.org/drawingml/2006/main" xmlns:r="http://schemas.openxmlformats.org/officeDocument/2006/relationships" xmlns:p="http://schemas.openxmlformats.org/presentationml/2006/main">
+  <p:cSld>
+    <p:spTree>
+      <p:nvGrpSpPr>
+        <p:cNvPr id="1" name=""/>
+        <p:cNvGrpSpPr/>
+        <p:nvPr/>
+      </p:nvGrpSpPr>
+      <p:grpSpPr>
+        <a:xfrm>
+          <a:off x="0" y="0"/>
+          <a:ext cx="0" cy="0"/>
+          <a:chOff x="0" y="0"/>
+          <a:chExt cx="0" cy="0"/>
+        </a:xfrm>
+      </p:grpSpPr>
+      <p:sp>
+        <p:nvSpPr>
+          <p:cNvPr id="2" name="Title 1"/>
+          <p:cNvSpPr>
+            <a:spLocks noGrp="1"/>
+          </p:cNvSpPr>
+          <p:nvPr>
+            <p:ph type="title"/>
+          </p:nvPr>
+        </p:nvSpPr>
+        <p:spPr/>
+        <p:txBody>
+          <a:bodyPr/>
+          <a:lstStyle/>
+          <a:p>
+            <a:r>
+              <a:rPr lang="en-US" dirty="0" smtClean="0"/>
+              <a:t>Future development</a:t>
+            </a:r>
+            <a:endParaRPr lang="en-US" dirty="0"/>
+          </a:p>
+        </p:txBody>
+      </p:sp>
+      <p:sp>
+        <p:nvSpPr>
+          <p:cNvPr id="3" name="Content Placeholder 2"/>
+          <p:cNvSpPr>
+            <a:spLocks noGrp="1"/>
+          </p:cNvSpPr>
+          <p:nvPr>
+            <p:ph sz="quarter" idx="13"/>
+          </p:nvPr>
+        </p:nvSpPr>
+        <p:spPr/>
+        <p:txBody>
+          <a:bodyPr/>
+          <a:lstStyle/>
+          <a:p>
+            <a:pPr marL="0" indent="0">
+              <a:buNone/>
+            </a:pPr>
+            <a:r>
+              <a:rPr lang="en-US" dirty="0" smtClean="0"/>
+              <a:t>Version 3</a:t>
+            </a:r>
+          </a:p>
+          <a:p>
+            <a:r>
+              <a:rPr lang="en-US" dirty="0" smtClean="0"/>
+              <a:t>Clickable “Eat” “Watch” “Drink” buttons</a:t>
+            </a:r>
+            <a:endParaRPr lang="en-US" dirty="0"/>
+          </a:p>
+          <a:p>
+            <a:r>
+              <a:rPr lang="en-US" dirty="0" smtClean="0"/>
+              <a:t>Connect </a:t>
+            </a:r>
+            <a:r>
+              <a:rPr lang="en-US" dirty="0"/>
+              <a:t>API data </a:t>
+            </a:r>
+          </a:p>
+          <a:p>
+            <a:r>
+              <a:rPr lang="en-US" dirty="0" smtClean="0"/>
+              <a:t>Add </a:t>
+            </a:r>
+            <a:r>
+              <a:rPr lang="en-US" dirty="0" err="1"/>
+              <a:t>Spotify</a:t>
+            </a:r>
+            <a:r>
+              <a:rPr lang="en-US" dirty="0"/>
+              <a:t> Playlists!</a:t>
+            </a:r>
+          </a:p>
+          <a:p>
+            <a:r>
+              <a:rPr lang="en-US" dirty="0" smtClean="0"/>
+              <a:t>Search </a:t>
+            </a:r>
+            <a:r>
+              <a:rPr lang="en-US" dirty="0"/>
+              <a:t>by media title</a:t>
+            </a:r>
+          </a:p>
+          <a:p>
+            <a:pPr marL="0" indent="0">
+              <a:buNone/>
+            </a:pPr>
+            <a:r>
+              <a:rPr lang="en-US" dirty="0" smtClean="0"/>
+              <a:t>Version 4 </a:t>
+            </a:r>
+          </a:p>
+          <a:p>
+            <a:r>
+              <a:rPr lang="en-US" dirty="0" smtClean="0"/>
+              <a:t> </a:t>
+            </a:r>
+            <a:r>
+              <a:rPr lang="en-US" dirty="0"/>
+              <a:t>"I'm Feeling Lucky" - users can get a random recommendation</a:t>
+            </a:r>
+            <a:endParaRPr lang="en-US" dirty="0"/>
+          </a:p>
+        </p:txBody>
+      </p:sp>
+    </p:spTree>
+    <p:extLst>
+      <p:ext uri="{BB962C8B-B14F-4D97-AF65-F5344CB8AC3E}">
+        <p14:creationId xmlns:p14="http://schemas.microsoft.com/office/powerpoint/2010/main" val="155546914"/>
+      </p:ext>
+    </p:extLst>
+  </p:cSld>
+  <p:clrMapOvr>
+    <a:masterClrMapping/>
+  </p:clrMapOvr>
+  <p:timing>
+    <p:tnLst>
+      <p:par>
+        <p:cTn xmlns:p14="http://schemas.microsoft.com/office/powerpoint/2010/main" id="1" dur="indefinite" restart="never" nodeType="tmRoot"/>
+      </p:par>
+    </p:tnLst>
+  </p:timing>
+</p:sld>
+</file>
+
+<file path=ppt/slides/slide8.xml><?xml version="1.0" encoding="utf-8"?>
+<p:sld xmlns:a="http://schemas.openxmlformats.org/drawingml/2006/main" xmlns:r="http://schemas.openxmlformats.org/officeDocument/2006/relationships" xmlns:p="http://schemas.openxmlformats.org/presentationml/2006/main">
+  <p:cSld>
+    <p:spTree>
+      <p:nvGrpSpPr>
+        <p:cNvPr id="1" name=""/>
+        <p:cNvGrpSpPr/>
+        <p:nvPr/>
+      </p:nvGrpSpPr>
+      <p:grpSpPr>
+        <a:xfrm>
+          <a:off x="0" y="0"/>
+          <a:ext cx="0" cy="0"/>
+          <a:chOff x="0" y="0"/>
+          <a:chExt cx="0" cy="0"/>
+        </a:xfrm>
+      </p:grpSpPr>
+      <p:sp>
+        <p:nvSpPr>
+          <p:cNvPr id="2" name="Title 1"/>
+          <p:cNvSpPr>
+            <a:spLocks noGrp="1"/>
+          </p:cNvSpPr>
+          <p:nvPr>
+            <p:ph type="title"/>
+          </p:nvPr>
+        </p:nvSpPr>
+        <p:spPr/>
+        <p:txBody>
+          <a:bodyPr/>
+          <a:lstStyle/>
+          <a:p>
+            <a:r>
+              <a:rPr lang="en-US" dirty="0" smtClean="0"/>
+              <a:t>Walkthrough </a:t>
+            </a:r>
+            <a:endParaRPr lang="en-US" dirty="0"/>
+          </a:p>
+        </p:txBody>
+      </p:sp>
+      <p:pic>
+        <p:nvPicPr>
+          <p:cNvPr id="6" name="Content Placeholder 5" descr="bingelogo2.png">
+            <a:hlinkClick r:id="rId2"/>
+          </p:cNvPr>
+          <p:cNvPicPr>
+            <a:picLocks noGrp="1" noChangeAspect="1"/>
+          </p:cNvPicPr>
+          <p:nvPr>
+            <p:ph sz="quarter" idx="13"/>
+          </p:nvPr>
+        </p:nvPicPr>
+        <p:blipFill rotWithShape="1">
+          <a:blip r:embed="rId3">
+            <a:extLst>
+              <a:ext uri="{28A0092B-C50C-407E-A947-70E740481C1C}">
+                <a14:useLocalDpi xmlns:a14="http://schemas.microsoft.com/office/drawing/2010/main" val="0"/>
+              </a:ext>
+            </a:extLst>
+          </a:blip>
+          <a:srcRect l="-56659" t="-77409" r="-55466" b="-108428"/>
+          <a:stretch/>
+        </p:blipFill>
+        <p:spPr/>
+      </p:pic>
+    </p:spTree>
+    <p:extLst>
+      <p:ext uri="{BB962C8B-B14F-4D97-AF65-F5344CB8AC3E}">
+        <p14:creationId xmlns:p14="http://schemas.microsoft.com/office/powerpoint/2010/main" val="3754885907"/>
+      </p:ext>
+    </p:extLst>
+  </p:cSld>
+  <p:clrMapOvr>
+    <a:masterClrMapping/>
+  </p:clrMapOvr>
+  <p:timing>
+    <p:tnLst>
+      <p:par>
+        <p:cTn xmlns:p14="http://schemas.microsoft.com/office/powerpoint/2010/main" id="1" dur="indefinite" restart="never" nodeType="tmRoot"/>
+      </p:par>
+    </p:tnLst>
+  </p:timing>
 </p:sld>
 </file>
 
@@ -4144,4 +5133,324 @@
   <a:objectDefaults/>
   <a:extraClrSchemeLst/>
 </a:theme>
+</file>
+
+<file path=ppt/theme/theme2.xml><?xml version="1.0" encoding="utf-8"?>
+<a:theme xmlns:a="http://schemas.openxmlformats.org/drawingml/2006/main" name="Office Theme">
+  <a:themeElements>
+    <a:clrScheme name="Office">
+      <a:dk1>
+        <a:sysClr val="windowText" lastClr="000000"/>
+      </a:dk1>
+      <a:lt1>
+        <a:sysClr val="window" lastClr="FFFFFF"/>
+      </a:lt1>
+      <a:dk2>
+        <a:srgbClr val="1F497D"/>
+      </a:dk2>
+      <a:lt2>
+        <a:srgbClr val="EEECE1"/>
+      </a:lt2>
+      <a:accent1>
+        <a:srgbClr val="4F81BD"/>
+      </a:accent1>
+      <a:accent2>
+        <a:srgbClr val="C0504D"/>
+      </a:accent2>
+      <a:accent3>
+        <a:srgbClr val="9BBB59"/>
+      </a:accent3>
+      <a:accent4>
+        <a:srgbClr val="8064A2"/>
+      </a:accent4>
+      <a:accent5>
+        <a:srgbClr val="4BACC6"/>
+      </a:accent5>
+      <a:accent6>
+        <a:srgbClr val="F79646"/>
+      </a:accent6>
+      <a:hlink>
+        <a:srgbClr val="0000FF"/>
+      </a:hlink>
+      <a:folHlink>
+        <a:srgbClr val="800080"/>
+      </a:folHlink>
+    </a:clrScheme>
+    <a:fontScheme name="Office">
+      <a:majorFont>
+        <a:latin typeface="Calibri"/>
+        <a:ea typeface=""/>
+        <a:cs typeface=""/>
+        <a:font script="Jpan" typeface="ＭＳ Ｐゴシック"/>
+        <a:font script="Hang" typeface="맑은 고딕"/>
+        <a:font script="Hans" typeface="宋体"/>
+        <a:font script="Hant" typeface="新細明體"/>
+        <a:font script="Arab" typeface="Times New Roman"/>
+        <a:font script="Hebr" typeface="Times New Roman"/>
+        <a:font script="Thai" typeface="Angsana New"/>
+        <a:font script="Ethi" typeface="Nyala"/>
+        <a:font script="Beng" typeface="Vrinda"/>
+        <a:font script="Gujr" typeface="Shruti"/>
+        <a:font script="Khmr" typeface="MoolBoran"/>
+        <a:font script="Knda" typeface="Tunga"/>
+        <a:font script="Guru" typeface="Raavi"/>
+        <a:font script="Cans" typeface="Euphemia"/>
+        <a:font script="Cher" typeface="Plantagenet Cherokee"/>
+        <a:font script="Yiii" typeface="Microsoft Yi Baiti"/>
+        <a:font script="Tibt" typeface="Microsoft Himalaya"/>
+        <a:font script="Thaa" typeface="MV Boli"/>
+        <a:font script="Deva" typeface="Mangal"/>
+        <a:font script="Telu" typeface="Gautami"/>
+        <a:font script="Taml" typeface="Latha"/>
+        <a:font script="Syrc" typeface="Estrangelo Edessa"/>
+        <a:font script="Orya" typeface="Kalinga"/>
+        <a:font script="Mlym" typeface="Kartika"/>
+        <a:font script="Laoo" typeface="DokChampa"/>
+        <a:font script="Sinh" typeface="Iskoola Pota"/>
+        <a:font script="Mong" typeface="Mongolian Baiti"/>
+        <a:font script="Viet" typeface="Times New Roman"/>
+        <a:font script="Uigh" typeface="Microsoft Uighur"/>
+        <a:font script="Geor" typeface="Sylfaen"/>
+      </a:majorFont>
+      <a:minorFont>
+        <a:latin typeface="Calibri"/>
+        <a:ea typeface=""/>
+        <a:cs typeface=""/>
+        <a:font script="Jpan" typeface="ＭＳ Ｐゴシック"/>
+        <a:font script="Hang" typeface="맑은 고딕"/>
+        <a:font script="Hans" typeface="宋体"/>
+        <a:font script="Hant" typeface="新細明體"/>
+        <a:font script="Arab" typeface="Arial"/>
+        <a:font script="Hebr" typeface="Arial"/>
+        <a:font script="Thai" typeface="Cordia New"/>
+        <a:font script="Ethi" typeface="Nyala"/>
+        <a:font script="Beng" typeface="Vrinda"/>
+        <a:font script="Gujr" typeface="Shruti"/>
+        <a:font script="Khmr" typeface="DaunPenh"/>
+        <a:font script="Knda" typeface="Tunga"/>
+        <a:font script="Guru" typeface="Raavi"/>
+        <a:font script="Cans" typeface="Euphemia"/>
+        <a:font script="Cher" typeface="Plantagenet Cherokee"/>
+        <a:font script="Yiii" typeface="Microsoft Yi Baiti"/>
+        <a:font script="Tibt" typeface="Microsoft Himalaya"/>
+        <a:font script="Thaa" typeface="MV Boli"/>
+        <a:font script="Deva" typeface="Mangal"/>
+        <a:font script="Telu" typeface="Gautami"/>
+        <a:font script="Taml" typeface="Latha"/>
+        <a:font script="Syrc" typeface="Estrangelo Edessa"/>
+        <a:font script="Orya" typeface="Kalinga"/>
+        <a:font script="Mlym" typeface="Kartika"/>
+        <a:font script="Laoo" typeface="DokChampa"/>
+        <a:font script="Sinh" typeface="Iskoola Pota"/>
+        <a:font script="Mong" typeface="Mongolian Baiti"/>
+        <a:font script="Viet" typeface="Arial"/>
+        <a:font script="Uigh" typeface="Microsoft Uighur"/>
+        <a:font script="Geor" typeface="Sylfaen"/>
+      </a:minorFont>
+    </a:fontScheme>
+    <a:fmtScheme name="Office">
+      <a:fillStyleLst>
+        <a:solidFill>
+          <a:schemeClr val="phClr"/>
+        </a:solidFill>
+        <a:gradFill rotWithShape="1">
+          <a:gsLst>
+            <a:gs pos="0">
+              <a:schemeClr val="phClr">
+                <a:tint val="50000"/>
+                <a:satMod val="300000"/>
+              </a:schemeClr>
+            </a:gs>
+            <a:gs pos="35000">
+              <a:schemeClr val="phClr">
+                <a:tint val="37000"/>
+                <a:satMod val="300000"/>
+              </a:schemeClr>
+            </a:gs>
+            <a:gs pos="100000">
+              <a:schemeClr val="phClr">
+                <a:tint val="15000"/>
+                <a:satMod val="350000"/>
+              </a:schemeClr>
+            </a:gs>
+          </a:gsLst>
+          <a:lin ang="16200000" scaled="1"/>
+        </a:gradFill>
+        <a:gradFill rotWithShape="1">
+          <a:gsLst>
+            <a:gs pos="0">
+              <a:schemeClr val="phClr">
+                <a:tint val="100000"/>
+                <a:shade val="100000"/>
+                <a:satMod val="130000"/>
+              </a:schemeClr>
+            </a:gs>
+            <a:gs pos="100000">
+              <a:schemeClr val="phClr">
+                <a:tint val="50000"/>
+                <a:shade val="100000"/>
+                <a:satMod val="350000"/>
+              </a:schemeClr>
+            </a:gs>
+          </a:gsLst>
+          <a:lin ang="16200000" scaled="0"/>
+        </a:gradFill>
+      </a:fillStyleLst>
+      <a:lnStyleLst>
+        <a:ln w="9525" cap="flat" cmpd="sng" algn="ctr">
+          <a:solidFill>
+            <a:schemeClr val="phClr">
+              <a:shade val="95000"/>
+              <a:satMod val="105000"/>
+            </a:schemeClr>
+          </a:solidFill>
+          <a:prstDash val="solid"/>
+        </a:ln>
+        <a:ln w="25400" cap="flat" cmpd="sng" algn="ctr">
+          <a:solidFill>
+            <a:schemeClr val="phClr"/>
+          </a:solidFill>
+          <a:prstDash val="solid"/>
+        </a:ln>
+        <a:ln w="38100" cap="flat" cmpd="sng" algn="ctr">
+          <a:solidFill>
+            <a:schemeClr val="phClr"/>
+          </a:solidFill>
+          <a:prstDash val="solid"/>
+        </a:ln>
+      </a:lnStyleLst>
+      <a:effectStyleLst>
+        <a:effectStyle>
+          <a:effectLst>
+            <a:outerShdw blurRad="40000" dist="20000" dir="5400000" rotWithShape="0">
+              <a:srgbClr val="000000">
+                <a:alpha val="38000"/>
+              </a:srgbClr>
+            </a:outerShdw>
+          </a:effectLst>
+        </a:effectStyle>
+        <a:effectStyle>
+          <a:effectLst>
+            <a:outerShdw blurRad="40000" dist="23000" dir="5400000" rotWithShape="0">
+              <a:srgbClr val="000000">
+                <a:alpha val="35000"/>
+              </a:srgbClr>
+            </a:outerShdw>
+          </a:effectLst>
+        </a:effectStyle>
+        <a:effectStyle>
+          <a:effectLst>
+            <a:outerShdw blurRad="40000" dist="23000" dir="5400000" rotWithShape="0">
+              <a:srgbClr val="000000">
+                <a:alpha val="35000"/>
+              </a:srgbClr>
+            </a:outerShdw>
+          </a:effectLst>
+          <a:scene3d>
+            <a:camera prst="orthographicFront">
+              <a:rot lat="0" lon="0" rev="0"/>
+            </a:camera>
+            <a:lightRig rig="threePt" dir="t">
+              <a:rot lat="0" lon="0" rev="1200000"/>
+            </a:lightRig>
+          </a:scene3d>
+          <a:sp3d>
+            <a:bevelT w="63500" h="25400"/>
+          </a:sp3d>
+        </a:effectStyle>
+      </a:effectStyleLst>
+      <a:bgFillStyleLst>
+        <a:solidFill>
+          <a:schemeClr val="phClr"/>
+        </a:solidFill>
+        <a:gradFill rotWithShape="1">
+          <a:gsLst>
+            <a:gs pos="0">
+              <a:schemeClr val="phClr">
+                <a:tint val="40000"/>
+                <a:satMod val="350000"/>
+              </a:schemeClr>
+            </a:gs>
+            <a:gs pos="40000">
+              <a:schemeClr val="phClr">
+                <a:tint val="45000"/>
+                <a:shade val="99000"/>
+                <a:satMod val="350000"/>
+              </a:schemeClr>
+            </a:gs>
+            <a:gs pos="100000">
+              <a:schemeClr val="phClr">
+                <a:shade val="20000"/>
+                <a:satMod val="255000"/>
+              </a:schemeClr>
+            </a:gs>
+          </a:gsLst>
+          <a:path path="circle">
+            <a:fillToRect l="50000" t="-80000" r="50000" b="180000"/>
+          </a:path>
+        </a:gradFill>
+        <a:gradFill rotWithShape="1">
+          <a:gsLst>
+            <a:gs pos="0">
+              <a:schemeClr val="phClr">
+                <a:tint val="80000"/>
+                <a:satMod val="300000"/>
+              </a:schemeClr>
+            </a:gs>
+            <a:gs pos="100000">
+              <a:schemeClr val="phClr">
+                <a:shade val="30000"/>
+                <a:satMod val="200000"/>
+              </a:schemeClr>
+            </a:gs>
+          </a:gsLst>
+          <a:path path="circle">
+            <a:fillToRect l="50000" t="50000" r="50000" b="50000"/>
+          </a:path>
+        </a:gradFill>
+      </a:bgFillStyleLst>
+    </a:fmtScheme>
+  </a:themeElements>
+  <a:objectDefaults>
+    <a:spDef>
+      <a:spPr/>
+      <a:bodyPr/>
+      <a:lstStyle/>
+      <a:style>
+        <a:lnRef idx="1">
+          <a:schemeClr val="accent1"/>
+        </a:lnRef>
+        <a:fillRef idx="3">
+          <a:schemeClr val="accent1"/>
+        </a:fillRef>
+        <a:effectRef idx="2">
+          <a:schemeClr val="accent1"/>
+        </a:effectRef>
+        <a:fontRef idx="minor">
+          <a:schemeClr val="lt1"/>
+        </a:fontRef>
+      </a:style>
+    </a:spDef>
+    <a:lnDef>
+      <a:spPr/>
+      <a:bodyPr/>
+      <a:lstStyle/>
+      <a:style>
+        <a:lnRef idx="2">
+          <a:schemeClr val="accent1"/>
+        </a:lnRef>
+        <a:fillRef idx="0">
+          <a:schemeClr val="accent1"/>
+        </a:fillRef>
+        <a:effectRef idx="1">
+          <a:schemeClr val="accent1"/>
+        </a:effectRef>
+        <a:fontRef idx="minor">
+          <a:schemeClr val="tx1"/>
+        </a:fontRef>
+      </a:style>
+    </a:lnDef>
+  </a:objectDefaults>
+  <a:extraClrSchemeLst/>
+</a:theme>
 </file>
--- a/BINGE.pptx
+++ b/BINGE.pptx
@@ -5,17 +5,18 @@
     <p:sldMasterId id="2147484728" r:id="rId1"/>
   </p:sldMasterIdLst>
   <p:notesMasterIdLst>
-    <p:notesMasterId r:id="rId10"/>
+    <p:notesMasterId r:id="rId11"/>
   </p:notesMasterIdLst>
   <p:sldIdLst>
     <p:sldId id="256" r:id="rId2"/>
     <p:sldId id="257" r:id="rId3"/>
     <p:sldId id="258" r:id="rId4"/>
     <p:sldId id="259" r:id="rId5"/>
-    <p:sldId id="260" r:id="rId6"/>
-    <p:sldId id="262" r:id="rId7"/>
-    <p:sldId id="261" r:id="rId8"/>
-    <p:sldId id="263" r:id="rId9"/>
+    <p:sldId id="264" r:id="rId6"/>
+    <p:sldId id="260" r:id="rId7"/>
+    <p:sldId id="262" r:id="rId8"/>
+    <p:sldId id="261" r:id="rId9"/>
+    <p:sldId id="263" r:id="rId10"/>
   </p:sldIdLst>
   <p:sldSz cx="9144000" cy="6858000" type="screen4x3"/>
   <p:notesSz cx="6858000" cy="9144000"/>
@@ -199,7 +200,7 @@
           <a:p>
             <a:fld id="{AEAE2C86-43CF-AB48-B6B6-87B79C1E0596}" type="datetimeFigureOut">
               <a:rPr lang="en-US" smtClean="0"/>
-              <a:t>1/9/18</a:t>
+              <a:t>1/17/18</a:t>
             </a:fld>
             <a:endParaRPr lang="en-US"/>
           </a:p>
@@ -549,7 +550,7 @@
           <a:p>
             <a:fld id="{C2CFD391-D631-2A41-A876-52306458E107}" type="slidenum">
               <a:rPr lang="en-US" smtClean="0"/>
-              <a:t>5</a:t>
+              <a:t>6</a:t>
             </a:fld>
             <a:endParaRPr lang="en-US"/>
           </a:p>
@@ -628,7 +629,7 @@
             <a:fld id="{2233D26B-DFC2-4248-8ED0-AD3E108CBDD7}" type="datetime1">
               <a:rPr lang="en-US" smtClean="0"/>
               <a:pPr/>
-              <a:t>1/9/18</a:t>
+              <a:t>1/17/18</a:t>
             </a:fld>
             <a:endParaRPr lang="en-US"/>
           </a:p>
@@ -946,7 +947,7 @@
             <a:fld id="{E694C003-38E8-486A-9BFD-47E55D87241C}" type="datetime1">
               <a:rPr lang="en-US" smtClean="0"/>
               <a:pPr/>
-              <a:t>1/9/18</a:t>
+              <a:t>1/17/18</a:t>
             </a:fld>
             <a:endParaRPr lang="en-US"/>
           </a:p>
@@ -1123,7 +1124,7 @@
             <a:fld id="{E059EAA3-934B-41DB-B3B1-806F4BE5CC37}" type="datetime1">
               <a:rPr lang="en-US" smtClean="0"/>
               <a:pPr/>
-              <a:t>1/9/18</a:t>
+              <a:t>1/17/18</a:t>
             </a:fld>
             <a:endParaRPr lang="en-US"/>
           </a:p>
@@ -1243,7 +1244,7 @@
             <a:fld id="{8F97F932-D99A-4087-BFB1-EA42FAFC8D2C}" type="datetime1">
               <a:rPr lang="en-US" smtClean="0"/>
               <a:pPr/>
-              <a:t>1/9/18</a:t>
+              <a:t>1/17/18</a:t>
             </a:fld>
             <a:endParaRPr lang="en-US"/>
           </a:p>
@@ -1543,7 +1544,7 @@
             <a:fld id="{79C96367-2F2B-4F6E-ACF4-15FA13738E10}" type="datetime1">
               <a:rPr lang="en-US" smtClean="0"/>
               <a:pPr/>
-              <a:t>1/9/18</a:t>
+              <a:t>1/17/18</a:t>
             </a:fld>
             <a:endParaRPr lang="en-US"/>
           </a:p>
@@ -1838,7 +1839,7 @@
             <a:fld id="{8FB3498D-21C7-408B-8EF5-5B55DEF0BFD5}" type="datetime1">
               <a:rPr lang="en-US" smtClean="0"/>
               <a:pPr/>
-              <a:t>1/9/18</a:t>
+              <a:t>1/17/18</a:t>
             </a:fld>
             <a:endParaRPr lang="en-US"/>
           </a:p>
@@ -2268,7 +2269,7 @@
             <a:fld id="{84DB246E-8FD1-42FF-94A4-E4133095C37A}" type="datetime1">
               <a:rPr lang="en-US" smtClean="0"/>
               <a:pPr/>
-              <a:t>1/9/18</a:t>
+              <a:t>1/17/18</a:t>
             </a:fld>
             <a:endParaRPr lang="en-US"/>
           </a:p>
@@ -2388,7 +2389,7 @@
             <a:fld id="{A93939D4-B818-4372-B1EE-7CB6D5BBC74A}" type="datetime1">
               <a:rPr lang="en-US" smtClean="0"/>
               <a:pPr/>
-              <a:t>1/9/18</a:t>
+              <a:t>1/17/18</a:t>
             </a:fld>
             <a:endParaRPr lang="en-US"/>
           </a:p>
@@ -2480,7 +2481,7 @@
             <a:fld id="{2F35E438-4D0D-4834-B658-A90420491D98}" type="datetime1">
               <a:rPr lang="en-US" smtClean="0"/>
               <a:pPr/>
-              <a:t>1/9/18</a:t>
+              <a:t>1/17/18</a:t>
             </a:fld>
             <a:endParaRPr lang="en-US"/>
           </a:p>
@@ -2732,7 +2733,7 @@
             <a:fld id="{76F8ADFA-7142-4015-85E6-1712F15FA709}" type="datetime1">
               <a:rPr lang="en-US" smtClean="0"/>
               <a:pPr/>
-              <a:t>1/9/18</a:t>
+              <a:t>1/17/18</a:t>
             </a:fld>
             <a:endParaRPr lang="en-US"/>
           </a:p>
@@ -3250,7 +3251,7 @@
             <a:fld id="{34A581E0-D653-4D78-A48F-41D80498BC7E}" type="datetime1">
               <a:rPr lang="en-US" smtClean="0"/>
               <a:pPr/>
-              <a:t>1/9/18</a:t>
+              <a:t>1/17/18</a:t>
             </a:fld>
             <a:endParaRPr lang="en-US"/>
           </a:p>
@@ -3482,7 +3483,7 @@
             <a:fld id="{8B3AFFF1-9C47-49F0-AE12-AF188F3F4E82}" type="datetime1">
               <a:rPr lang="en-US" smtClean="0"/>
               <a:pPr/>
-              <a:t>1/9/18</a:t>
+              <a:t>1/17/18</a:t>
             </a:fld>
             <a:endParaRPr lang="en-US" dirty="0"/>
           </a:p>
@@ -4126,20 +4127,50 @@
           <a:chExt cx="0" cy="0"/>
         </a:xfrm>
       </p:grpSpPr>
-      <p:sp>
-        <p:nvSpPr>
-          <p:cNvPr id="2" name="Title 1"/>
-          <p:cNvSpPr>
-            <a:spLocks noGrp="1"/>
-          </p:cNvSpPr>
-          <p:nvPr>
-            <p:ph type="title"/>
-          </p:nvPr>
-        </p:nvSpPr>
+      <p:pic>
+        <p:nvPicPr>
+          <p:cNvPr id="4" name="Picture 3" descr="orange_circle.png"/>
+          <p:cNvPicPr>
+            <a:picLocks noChangeAspect="1"/>
+          </p:cNvPicPr>
+          <p:nvPr/>
+        </p:nvPicPr>
+        <p:blipFill>
+          <a:blip r:embed="rId2">
+            <a:extLst>
+              <a:ext uri="{28A0092B-C50C-407E-A947-70E740481C1C}">
+                <a14:useLocalDpi xmlns:a14="http://schemas.microsoft.com/office/drawing/2010/main" val="0"/>
+              </a:ext>
+            </a:extLst>
+          </a:blip>
+          <a:stretch>
+            <a:fillRect/>
+          </a:stretch>
+        </p:blipFill>
         <p:spPr>
           <a:xfrm>
-            <a:off x="609600" y="1943221"/>
-            <a:ext cx="7924800" cy="1143000"/>
+            <a:off x="445454" y="-649516"/>
+            <a:ext cx="8270529" cy="8316008"/>
+          </a:xfrm>
+          <a:prstGeom prst="rect">
+            <a:avLst/>
+          </a:prstGeom>
+        </p:spPr>
+      </p:pic>
+      <p:sp>
+        <p:nvSpPr>
+          <p:cNvPr id="2" name="Title 1"/>
+          <p:cNvSpPr>
+            <a:spLocks noGrp="1"/>
+          </p:cNvSpPr>
+          <p:nvPr>
+            <p:ph type="title"/>
+          </p:nvPr>
+        </p:nvSpPr>
+        <p:spPr>
+          <a:xfrm>
+            <a:off x="965497" y="1730842"/>
+            <a:ext cx="3915448" cy="1031623"/>
           </a:xfrm>
         </p:spPr>
         <p:txBody>
@@ -4166,7 +4197,7 @@
         </p:nvSpPr>
         <p:spPr>
           <a:xfrm>
-            <a:off x="609600" y="3256330"/>
+            <a:off x="609600" y="2882767"/>
             <a:ext cx="7924800" cy="1923747"/>
           </a:xfrm>
         </p:spPr>
@@ -4238,32 +4269,33 @@
           <a:chExt cx="0" cy="0"/>
         </a:xfrm>
       </p:grpSpPr>
-      <p:sp>
-        <p:nvSpPr>
-          <p:cNvPr id="2" name="Title 1"/>
-          <p:cNvSpPr>
-            <a:spLocks noGrp="1"/>
-          </p:cNvSpPr>
-          <p:nvPr>
-            <p:ph type="title"/>
-          </p:nvPr>
-        </p:nvSpPr>
-        <p:spPr/>
-        <p:txBody>
-          <a:bodyPr/>
-          <a:lstStyle/>
-          <a:p>
-            <a:r>
-              <a:rPr lang="en-US" dirty="0" err="1" smtClean="0"/>
-              <a:t>cODE</a:t>
-            </a:r>
-            <a:endParaRPr lang="en-US" dirty="0"/>
-          </a:p>
-        </p:txBody>
-      </p:sp>
-      <p:sp>
-        <p:nvSpPr>
-          <p:cNvPr id="3" name="Content Placeholder 2"/>
+      <p:pic>
+        <p:nvPicPr>
+          <p:cNvPr id="6" name="Picture 5"/>
+          <p:cNvPicPr>
+            <a:picLocks noChangeAspect="1"/>
+          </p:cNvPicPr>
+          <p:nvPr/>
+        </p:nvPicPr>
+        <p:blipFill>
+          <a:blip r:embed="rId2"/>
+          <a:stretch>
+            <a:fillRect/>
+          </a:stretch>
+        </p:blipFill>
+        <p:spPr>
+          <a:xfrm>
+            <a:off x="0" y="88900"/>
+            <a:ext cx="9144000" cy="6667500"/>
+          </a:xfrm>
+          <a:prstGeom prst="rect">
+            <a:avLst/>
+          </a:prstGeom>
+        </p:spPr>
+      </p:pic>
+      <p:sp>
+        <p:nvSpPr>
+          <p:cNvPr id="8" name="Content Placeholder 2"/>
           <p:cNvSpPr>
             <a:spLocks noGrp="1"/>
           </p:cNvSpPr>
@@ -4271,16 +4303,80 @@
             <p:ph sz="quarter" idx="13"/>
           </p:nvPr>
         </p:nvSpPr>
-        <p:spPr/>
-        <p:txBody>
-          <a:bodyPr/>
-          <a:lstStyle/>
-          <a:p>
-            <a:r>
-              <a:rPr lang="en-US" dirty="0" smtClean="0"/>
-              <a:t>THIS IS THE GOOD STUFF</a:t>
-            </a:r>
-            <a:endParaRPr lang="en-US" dirty="0"/>
+        <p:spPr>
+          <a:xfrm>
+            <a:off x="2577439" y="6281517"/>
+            <a:ext cx="3822582" cy="436676"/>
+          </a:xfrm>
+          <a:solidFill>
+            <a:schemeClr val="accent5">
+              <a:lumMod val="40000"/>
+              <a:lumOff val="60000"/>
+            </a:schemeClr>
+          </a:solidFill>
+          <a:effectLst>
+            <a:glow rad="63500">
+              <a:schemeClr val="accent1">
+                <a:satMod val="175000"/>
+                <a:alpha val="40000"/>
+              </a:schemeClr>
+            </a:glow>
+          </a:effectLst>
+        </p:spPr>
+        <p:txBody>
+          <a:bodyPr>
+            <a:normAutofit/>
+          </a:bodyPr>
+          <a:lstStyle/>
+          <a:p>
+            <a:pPr marL="0" indent="0">
+              <a:buNone/>
+            </a:pPr>
+            <a:r>
+              <a:rPr lang="en-US" dirty="0" smtClean="0">
+                <a:solidFill>
+                  <a:srgbClr val="000000"/>
+                </a:solidFill>
+              </a:rPr>
+              <a:t>Getting </a:t>
+            </a:r>
+            <a:r>
+              <a:rPr lang="en-US" dirty="0">
+                <a:solidFill>
+                  <a:srgbClr val="000000"/>
+                </a:solidFill>
+              </a:rPr>
+              <a:t>the </a:t>
+            </a:r>
+            <a:r>
+              <a:rPr lang="en-US" dirty="0" smtClean="0">
+                <a:solidFill>
+                  <a:srgbClr val="000000"/>
+                </a:solidFill>
+              </a:rPr>
+              <a:t>Table </a:t>
+            </a:r>
+            <a:r>
+              <a:rPr lang="en-US" dirty="0">
+                <a:solidFill>
+                  <a:srgbClr val="000000"/>
+                </a:solidFill>
+              </a:rPr>
+              <a:t>info from the </a:t>
+            </a:r>
+            <a:r>
+              <a:rPr lang="en-US" dirty="0" smtClean="0">
+                <a:solidFill>
+                  <a:srgbClr val="000000"/>
+                </a:solidFill>
+              </a:rPr>
+              <a:t>DB</a:t>
+            </a:r>
+            <a:endParaRPr lang="en-US" dirty="0" smtClean="0">
+              <a:solidFill>
+                <a:srgbClr val="000000"/>
+              </a:solidFill>
+            </a:endParaRPr>
           </a:p>
         </p:txBody>
       </p:sp>
@@ -4321,41 +4417,60 @@
           <a:chExt cx="0" cy="0"/>
         </a:xfrm>
       </p:grpSpPr>
-      <p:sp>
-        <p:nvSpPr>
-          <p:cNvPr id="2" name="Title 1"/>
-          <p:cNvSpPr>
-            <a:spLocks noGrp="1"/>
-          </p:cNvSpPr>
-          <p:nvPr>
-            <p:ph type="title"/>
-          </p:nvPr>
-        </p:nvSpPr>
-        <p:spPr/>
-        <p:txBody>
-          <a:bodyPr/>
-          <a:lstStyle/>
-          <a:p>
-            <a:endParaRPr lang="en-US"/>
-          </a:p>
-        </p:txBody>
-      </p:sp>
-      <p:sp>
-        <p:nvSpPr>
-          <p:cNvPr id="3" name="Content Placeholder 2"/>
-          <p:cNvSpPr>
-            <a:spLocks noGrp="1"/>
-          </p:cNvSpPr>
-          <p:nvPr>
-            <p:ph sz="quarter" idx="13"/>
-          </p:nvPr>
-        </p:nvSpPr>
-        <p:spPr/>
-        <p:txBody>
-          <a:bodyPr/>
-          <a:lstStyle/>
-          <a:p>
-            <a:endParaRPr lang="en-US"/>
+      <p:pic>
+        <p:nvPicPr>
+          <p:cNvPr id="4" name="Picture 3"/>
+          <p:cNvPicPr>
+            <a:picLocks noChangeAspect="1"/>
+          </p:cNvPicPr>
+          <p:nvPr/>
+        </p:nvPicPr>
+        <p:blipFill>
+          <a:blip r:embed="rId2"/>
+          <a:stretch>
+            <a:fillRect/>
+          </a:stretch>
+        </p:blipFill>
+        <p:spPr>
+          <a:xfrm>
+            <a:off x="0" y="736600"/>
+            <a:ext cx="9144000" cy="5366742"/>
+          </a:xfrm>
+          <a:prstGeom prst="rect">
+            <a:avLst/>
+          </a:prstGeom>
+        </p:spPr>
+      </p:pic>
+      <p:sp>
+        <p:nvSpPr>
+          <p:cNvPr id="6" name="Rectangle 5"/>
+          <p:cNvSpPr/>
+          <p:nvPr/>
+        </p:nvSpPr>
+        <p:spPr>
+          <a:xfrm>
+            <a:off x="1907770" y="6282649"/>
+            <a:ext cx="5225672" cy="369332"/>
+          </a:xfrm>
+          <a:prstGeom prst="rect">
+            <a:avLst/>
+          </a:prstGeom>
+        </p:spPr>
+        <p:txBody>
+          <a:bodyPr wrap="none">
+            <a:spAutoFit/>
+          </a:bodyPr>
+          <a:lstStyle/>
+          <a:p>
+            <a:r>
+              <a:rPr lang="en-US" dirty="0" err="1" smtClean="0"/>
+              <a:t>Passport.js</a:t>
+            </a:r>
+            <a:r>
+              <a:rPr lang="en-US" dirty="0" smtClean="0"/>
+              <a:t> routing for user Login, Signup and Authentication</a:t>
+            </a:r>
+            <a:endParaRPr lang="en-US" dirty="0"/>
           </a:p>
         </p:txBody>
       </p:sp>
@@ -4396,107 +4511,54 @@
           <a:chExt cx="0" cy="0"/>
         </a:xfrm>
       </p:grpSpPr>
-      <p:sp>
-        <p:nvSpPr>
-          <p:cNvPr id="2" name="Title 1"/>
-          <p:cNvSpPr>
-            <a:spLocks noGrp="1"/>
-          </p:cNvSpPr>
-          <p:nvPr>
-            <p:ph type="title"/>
-          </p:nvPr>
-        </p:nvSpPr>
+      <p:pic>
+        <p:nvPicPr>
+          <p:cNvPr id="4" name="Picture 3"/>
+          <p:cNvPicPr>
+            <a:picLocks noChangeAspect="1"/>
+          </p:cNvPicPr>
+          <p:nvPr/>
+        </p:nvPicPr>
+        <p:blipFill>
+          <a:blip r:embed="rId2"/>
+          <a:stretch>
+            <a:fillRect/>
+          </a:stretch>
+        </p:blipFill>
         <p:spPr>
           <a:xfrm>
-            <a:off x="609600" y="1258355"/>
-            <a:ext cx="7924800" cy="1143000"/>
+            <a:off x="0" y="1866900"/>
+            <a:ext cx="9144000" cy="3111500"/>
           </a:xfrm>
+          <a:prstGeom prst="rect">
+            <a:avLst/>
+          </a:prstGeom>
         </p:spPr>
-        <p:txBody>
-          <a:bodyPr/>
-          <a:lstStyle/>
-          <a:p>
-            <a:r>
-              <a:rPr lang="en-US" dirty="0" smtClean="0"/>
-              <a:t>App breakdown </a:t>
-            </a:r>
-            <a:endParaRPr lang="en-US" dirty="0"/>
-          </a:p>
-        </p:txBody>
-      </p:sp>
-      <p:sp>
-        <p:nvSpPr>
-          <p:cNvPr id="3" name="Content Placeholder 2"/>
-          <p:cNvSpPr>
-            <a:spLocks noGrp="1"/>
-          </p:cNvSpPr>
-          <p:nvPr>
-            <p:ph sz="quarter" idx="13"/>
-          </p:nvPr>
+      </p:pic>
+      <p:sp>
+        <p:nvSpPr>
+          <p:cNvPr id="5" name="Rectangle 4"/>
+          <p:cNvSpPr/>
+          <p:nvPr/>
         </p:nvSpPr>
         <p:spPr>
           <a:xfrm>
-            <a:off x="609600" y="2559011"/>
-            <a:ext cx="7924800" cy="3218768"/>
+            <a:off x="2175640" y="5325763"/>
+            <a:ext cx="4172274" cy="369332"/>
           </a:xfrm>
+          <a:prstGeom prst="rect">
+            <a:avLst/>
+          </a:prstGeom>
         </p:spPr>
         <p:txBody>
-          <a:bodyPr>
-            <a:normAutofit/>
+          <a:bodyPr wrap="none">
+            <a:spAutoFit/>
           </a:bodyPr>
           <a:lstStyle/>
           <a:p>
-            <a:pPr marL="0" indent="0">
-              <a:buNone/>
-            </a:pPr>
             <a:r>
               <a:rPr lang="en-US" dirty="0" smtClean="0"/>
-              <a:t>Basic Features</a:t>
-            </a:r>
-            <a:endParaRPr lang="en-US" dirty="0"/>
-          </a:p>
-          <a:p>
-            <a:r>
-              <a:rPr lang="en-US" dirty="0"/>
-              <a:t>- User can input book or movie &amp; a pairing of food and drink.</a:t>
-            </a:r>
-          </a:p>
-          <a:p>
-            <a:r>
-              <a:rPr lang="en-US" dirty="0"/>
-              <a:t>- User can input URL's for food &amp; drink recipes</a:t>
-            </a:r>
-          </a:p>
-          <a:p>
-            <a:r>
-              <a:rPr lang="en-US" dirty="0"/>
-              <a:t>- User can view all in the DB</a:t>
-            </a:r>
-          </a:p>
-          <a:p>
-            <a:pPr marL="0" indent="0">
-              <a:buNone/>
-            </a:pPr>
-            <a:r>
-              <a:rPr lang="en-US" dirty="0" smtClean="0"/>
-              <a:t>Version 2</a:t>
-            </a:r>
-            <a:endParaRPr lang="en-US" dirty="0"/>
-          </a:p>
-          <a:p>
-            <a:r>
-              <a:rPr lang="en-US" dirty="0"/>
-              <a:t>- Users can vote on favorite pairings</a:t>
-            </a:r>
-          </a:p>
-          <a:p>
-            <a:r>
-              <a:rPr lang="en-US" dirty="0"/>
-              <a:t>- User "profiles" lets you view a specific user's </a:t>
-            </a:r>
-            <a:r>
-              <a:rPr lang="en-US" dirty="0" smtClean="0"/>
-              <a:t>pairings</a:t>
+              <a:t>Fade-in classes add Dynamic UI to Home Page</a:t>
             </a:r>
             <a:endParaRPr lang="en-US" dirty="0"/>
           </a:p>
@@ -4505,7 +4567,7 @@
     </p:spTree>
     <p:extLst>
       <p:ext uri="{BB962C8B-B14F-4D97-AF65-F5344CB8AC3E}">
-        <p14:creationId xmlns:p14="http://schemas.microsoft.com/office/powerpoint/2010/main" val="1715728535"/>
+        <p14:creationId xmlns:p14="http://schemas.microsoft.com/office/powerpoint/2010/main" val="4111450749"/>
       </p:ext>
     </p:extLst>
   </p:cSld>
@@ -4539,6 +4601,36 @@
           <a:chExt cx="0" cy="0"/>
         </a:xfrm>
       </p:grpSpPr>
+      <p:pic>
+        <p:nvPicPr>
+          <p:cNvPr id="6" name="Picture 5" descr="orange_circle.png"/>
+          <p:cNvPicPr>
+            <a:picLocks noChangeAspect="1"/>
+          </p:cNvPicPr>
+          <p:nvPr/>
+        </p:nvPicPr>
+        <p:blipFill>
+          <a:blip r:embed="rId3">
+            <a:extLst>
+              <a:ext uri="{28A0092B-C50C-407E-A947-70E740481C1C}">
+                <a14:useLocalDpi xmlns:a14="http://schemas.microsoft.com/office/drawing/2010/main" val="0"/>
+              </a:ext>
+            </a:extLst>
+          </a:blip>
+          <a:stretch>
+            <a:fillRect/>
+          </a:stretch>
+        </p:blipFill>
+        <p:spPr>
+          <a:xfrm>
+            <a:off x="445454" y="-649516"/>
+            <a:ext cx="8270529" cy="8316008"/>
+          </a:xfrm>
+          <a:prstGeom prst="rect">
+            <a:avLst/>
+          </a:prstGeom>
+        </p:spPr>
+      </p:pic>
       <p:sp>
         <p:nvSpPr>
           <p:cNvPr id="2" name="Title 1"/>
@@ -4549,14 +4641,19 @@
             <p:ph type="title"/>
           </p:nvPr>
         </p:nvSpPr>
-        <p:spPr/>
+        <p:spPr>
+          <a:xfrm>
+            <a:off x="1257073" y="1456897"/>
+            <a:ext cx="4756955" cy="944458"/>
+          </a:xfrm>
+        </p:spPr>
         <p:txBody>
           <a:bodyPr/>
           <a:lstStyle/>
           <a:p>
             <a:r>
               <a:rPr lang="en-US" dirty="0" smtClean="0"/>
-              <a:t>Challenges and successes</a:t>
+              <a:t>App breakdown </a:t>
             </a:r>
             <a:endParaRPr lang="en-US" dirty="0"/>
           </a:p>
@@ -4572,22 +4669,85 @@
             <p:ph sz="quarter" idx="13"/>
           </p:nvPr>
         </p:nvSpPr>
-        <p:spPr/>
-        <p:txBody>
-          <a:bodyPr/>
-          <a:lstStyle/>
-          <a:p>
+        <p:spPr>
+          <a:xfrm>
+            <a:off x="1032947" y="2540435"/>
+            <a:ext cx="6238672" cy="3218768"/>
+          </a:xfrm>
+        </p:spPr>
+        <p:txBody>
+          <a:bodyPr>
+            <a:normAutofit/>
+          </a:bodyPr>
+          <a:lstStyle/>
+          <a:p>
+            <a:pPr marL="0" indent="0">
+              <a:buNone/>
+            </a:pPr>
             <a:r>
               <a:rPr lang="en-US" dirty="0" smtClean="0"/>
-              <a:t>User Accounts </a:t>
-            </a:r>
-            <a:r>
-              <a:rPr lang="mr-IN" dirty="0" smtClean="0"/>
-              <a:t>–</a:t>
-            </a:r>
+              <a:t>Basic Features</a:t>
+            </a:r>
+            <a:endParaRPr lang="en-US" dirty="0"/>
+          </a:p>
+          <a:p>
             <a:r>
               <a:rPr lang="en-US" dirty="0" smtClean="0"/>
-              <a:t> Via passport</a:t>
+              <a:t>User </a:t>
+            </a:r>
+            <a:r>
+              <a:rPr lang="en-US" dirty="0"/>
+              <a:t>can input book or movie &amp; a pairing of food and drink.</a:t>
+            </a:r>
+          </a:p>
+          <a:p>
+            <a:r>
+              <a:rPr lang="en-US" dirty="0" smtClean="0"/>
+              <a:t>User </a:t>
+            </a:r>
+            <a:r>
+              <a:rPr lang="en-US" dirty="0"/>
+              <a:t>can input URL's for food &amp; drink recipes</a:t>
+            </a:r>
+          </a:p>
+          <a:p>
+            <a:r>
+              <a:rPr lang="en-US" dirty="0" smtClean="0"/>
+              <a:t>User </a:t>
+            </a:r>
+            <a:r>
+              <a:rPr lang="en-US" dirty="0"/>
+              <a:t>can view all in the DB</a:t>
+            </a:r>
+          </a:p>
+          <a:p>
+            <a:pPr marL="0" indent="0">
+              <a:buNone/>
+            </a:pPr>
+            <a:r>
+              <a:rPr lang="en-US" dirty="0" smtClean="0"/>
+              <a:t>Version 2</a:t>
+            </a:r>
+            <a:endParaRPr lang="en-US" dirty="0"/>
+          </a:p>
+          <a:p>
+            <a:r>
+              <a:rPr lang="en-US" dirty="0" smtClean="0"/>
+              <a:t>Users </a:t>
+            </a:r>
+            <a:r>
+              <a:rPr lang="en-US" dirty="0"/>
+              <a:t>can vote on favorite </a:t>
+            </a:r>
+            <a:r>
+              <a:rPr lang="en-US" dirty="0" smtClean="0"/>
+              <a:t>pairings</a:t>
+            </a:r>
+          </a:p>
+          <a:p>
+            <a:r>
+              <a:rPr lang="en-US" dirty="0" smtClean="0"/>
+              <a:t>User accounts</a:t>
             </a:r>
             <a:endParaRPr lang="en-US" dirty="0"/>
           </a:p>
@@ -4596,7 +4756,7 @@
     </p:spTree>
     <p:extLst>
       <p:ext uri="{BB962C8B-B14F-4D97-AF65-F5344CB8AC3E}">
-        <p14:creationId xmlns:p14="http://schemas.microsoft.com/office/powerpoint/2010/main" val="1712950527"/>
+        <p14:creationId xmlns:p14="http://schemas.microsoft.com/office/powerpoint/2010/main" val="1715728535"/>
       </p:ext>
     </p:extLst>
   </p:cSld>
@@ -4630,6 +4790,36 @@
           <a:chExt cx="0" cy="0"/>
         </a:xfrm>
       </p:grpSpPr>
+      <p:pic>
+        <p:nvPicPr>
+          <p:cNvPr id="6" name="Picture 5" descr="orange_circle.png"/>
+          <p:cNvPicPr>
+            <a:picLocks noChangeAspect="1"/>
+          </p:cNvPicPr>
+          <p:nvPr/>
+        </p:nvPicPr>
+        <p:blipFill>
+          <a:blip r:embed="rId2">
+            <a:extLst>
+              <a:ext uri="{28A0092B-C50C-407E-A947-70E740481C1C}">
+                <a14:useLocalDpi xmlns:a14="http://schemas.microsoft.com/office/drawing/2010/main" val="0"/>
+              </a:ext>
+            </a:extLst>
+          </a:blip>
+          <a:stretch>
+            <a:fillRect/>
+          </a:stretch>
+        </p:blipFill>
+        <p:spPr>
+          <a:xfrm>
+            <a:off x="445454" y="-649516"/>
+            <a:ext cx="8270529" cy="8316008"/>
+          </a:xfrm>
+          <a:prstGeom prst="rect">
+            <a:avLst/>
+          </a:prstGeom>
+        </p:spPr>
+      </p:pic>
       <p:sp>
         <p:nvSpPr>
           <p:cNvPr id="2" name="Title 1"/>
@@ -4640,14 +4830,19 @@
             <p:ph type="title"/>
           </p:nvPr>
         </p:nvSpPr>
-        <p:spPr/>
+        <p:spPr>
+          <a:xfrm>
+            <a:off x="1057851" y="1869719"/>
+            <a:ext cx="5777970" cy="707868"/>
+          </a:xfrm>
+        </p:spPr>
         <p:txBody>
           <a:bodyPr/>
           <a:lstStyle/>
           <a:p>
             <a:r>
               <a:rPr lang="en-US" dirty="0" smtClean="0"/>
-              <a:t>Future development</a:t>
+              <a:t>Challenges and successes</a:t>
             </a:r>
             <a:endParaRPr lang="en-US" dirty="0"/>
           </a:p>
@@ -4663,86 +4858,67 @@
             <p:ph sz="quarter" idx="13"/>
           </p:nvPr>
         </p:nvSpPr>
-        <p:spPr/>
+        <p:spPr>
+          <a:xfrm>
+            <a:off x="858628" y="2702107"/>
+            <a:ext cx="7924800" cy="2265765"/>
+          </a:xfrm>
+        </p:spPr>
         <p:txBody>
           <a:bodyPr/>
           <a:lstStyle/>
           <a:p>
-            <a:pPr marL="0" indent="0">
-              <a:buNone/>
-            </a:pPr>
             <a:r>
               <a:rPr lang="en-US" dirty="0" smtClean="0"/>
-              <a:t>Version 3</a:t>
-            </a:r>
-          </a:p>
-          <a:p>
+              <a:t>User Accounts </a:t>
+            </a:r>
+            <a:r>
+              <a:rPr lang="mr-IN" dirty="0" smtClean="0"/>
+              <a:t>–</a:t>
+            </a:r>
             <a:r>
               <a:rPr lang="en-US" dirty="0" smtClean="0"/>
-              <a:t>Clickable “Eat” “Watch” “Drink” buttons</a:t>
-            </a:r>
-            <a:endParaRPr lang="en-US" dirty="0"/>
-          </a:p>
-          <a:p>
+              <a:t> Via </a:t>
+            </a:r>
             <a:r>
               <a:rPr lang="en-US" dirty="0" smtClean="0"/>
-              <a:t>Connect </a:t>
+              <a:t>passport</a:t>
+            </a:r>
+          </a:p>
+          <a:p>
+            <a:r>
+              <a:rPr lang="en-US" dirty="0" err="1" smtClean="0"/>
+              <a:t>Config</a:t>
             </a:r>
             <a:r>
               <a:rPr lang="en-US" dirty="0"/>
-              <a:t>API data </a:t>
-            </a:r>
-          </a:p>
-          <a:p>
+              <a:t> </a:t>
+            </a:r>
             <a:r>
               <a:rPr lang="en-US" dirty="0" smtClean="0"/>
-              <a:t>Add </a:t>
-            </a:r>
-            <a:r>
-              <a:rPr lang="en-US" dirty="0" err="1"/>
-              <a:t>Spotify</a:t>
-            </a:r>
-            <a:r>
-              <a:rPr lang="en-US" dirty="0"/>
-              <a:t> Playlists!</a:t>
-            </a:r>
-          </a:p>
-          <a:p>
+              <a:t>file alignment </a:t>
+            </a:r>
+            <a:r>
+              <a:rPr lang="mr-IN" dirty="0" smtClean="0"/>
+              <a:t>–</a:t>
+            </a:r>
             <a:r>
               <a:rPr lang="en-US" dirty="0" smtClean="0"/>
-              <a:t>Search </a:t>
-            </a:r>
-            <a:r>
-              <a:rPr lang="en-US" dirty="0"/>
-              <a:t>by media title</a:t>
-            </a:r>
-          </a:p>
-          <a:p>
-            <a:pPr marL="0" indent="0">
-              <a:buNone/>
-            </a:pPr>
+              <a:t> helped with our data management</a:t>
+            </a:r>
+          </a:p>
+          <a:p>
             <a:r>
               <a:rPr lang="en-US" dirty="0" smtClean="0"/>
-              <a:t>Version 4 </a:t>
-            </a:r>
-          </a:p>
-          <a:p>
-            <a:r>
-              <a:rPr lang="en-US" dirty="0" smtClean="0"/>
-              <a:t> </a:t>
-            </a:r>
-            <a:r>
-              <a:rPr lang="en-US" dirty="0"/>
-              <a:t>"I'm Feeling Lucky" - users can get a random recommendation</a:t>
-            </a:r>
-            <a:endParaRPr lang="en-US" dirty="0"/>
+              <a:t>Voting system</a:t>
+            </a:r>
           </a:p>
         </p:txBody>
       </p:sp>
     </p:spTree>
     <p:extLst>
       <p:ext uri="{BB962C8B-B14F-4D97-AF65-F5344CB8AC3E}">
-        <p14:creationId xmlns:p14="http://schemas.microsoft.com/office/powerpoint/2010/main" val="155546914"/>
+        <p14:creationId xmlns:p14="http://schemas.microsoft.com/office/powerpoint/2010/main" val="1712950527"/>
       </p:ext>
     </p:extLst>
   </p:cSld>
@@ -4776,6 +4952,208 @@
           <a:chExt cx="0" cy="0"/>
         </a:xfrm>
       </p:grpSpPr>
+      <p:pic>
+        <p:nvPicPr>
+          <p:cNvPr id="6" name="Picture 5" descr="orange_circle.png"/>
+          <p:cNvPicPr>
+            <a:picLocks noChangeAspect="1"/>
+          </p:cNvPicPr>
+          <p:nvPr/>
+        </p:nvPicPr>
+        <p:blipFill>
+          <a:blip r:embed="rId2">
+            <a:extLst>
+              <a:ext uri="{28A0092B-C50C-407E-A947-70E740481C1C}">
+                <a14:useLocalDpi xmlns:a14="http://schemas.microsoft.com/office/drawing/2010/main" val="0"/>
+              </a:ext>
+            </a:extLst>
+          </a:blip>
+          <a:stretch>
+            <a:fillRect/>
+          </a:stretch>
+        </p:blipFill>
+        <p:spPr>
+          <a:xfrm>
+            <a:off x="445454" y="-649516"/>
+            <a:ext cx="8270529" cy="8316008"/>
+          </a:xfrm>
+          <a:prstGeom prst="rect">
+            <a:avLst/>
+          </a:prstGeom>
+        </p:spPr>
+      </p:pic>
+      <p:sp>
+        <p:nvSpPr>
+          <p:cNvPr id="2" name="Title 1"/>
+          <p:cNvSpPr>
+            <a:spLocks noGrp="1"/>
+          </p:cNvSpPr>
+          <p:nvPr>
+            <p:ph type="title"/>
+          </p:nvPr>
+        </p:nvSpPr>
+        <p:spPr>
+          <a:xfrm>
+            <a:off x="846169" y="1967439"/>
+            <a:ext cx="4445670" cy="521087"/>
+          </a:xfrm>
+        </p:spPr>
+        <p:txBody>
+          <a:bodyPr/>
+          <a:lstStyle/>
+          <a:p>
+            <a:r>
+              <a:rPr lang="en-US" dirty="0" smtClean="0"/>
+              <a:t>Future development</a:t>
+            </a:r>
+            <a:endParaRPr lang="en-US" dirty="0"/>
+          </a:p>
+        </p:txBody>
+      </p:sp>
+      <p:sp>
+        <p:nvSpPr>
+          <p:cNvPr id="3" name="Content Placeholder 2"/>
+          <p:cNvSpPr>
+            <a:spLocks noGrp="1"/>
+          </p:cNvSpPr>
+          <p:nvPr>
+            <p:ph sz="quarter" idx="13"/>
+          </p:nvPr>
+        </p:nvSpPr>
+        <p:spPr>
+          <a:xfrm>
+            <a:off x="945788" y="2474178"/>
+            <a:ext cx="7259687" cy="2352929"/>
+          </a:xfrm>
+        </p:spPr>
+        <p:txBody>
+          <a:bodyPr>
+            <a:normAutofit fontScale="85000" lnSpcReduction="20000"/>
+          </a:bodyPr>
+          <a:lstStyle/>
+          <a:p>
+            <a:pPr marL="0" indent="0">
+              <a:buNone/>
+            </a:pPr>
+            <a:r>
+              <a:rPr lang="en-US" dirty="0" smtClean="0"/>
+              <a:t>Version 3</a:t>
+            </a:r>
+          </a:p>
+          <a:p>
+            <a:r>
+              <a:rPr lang="en-US" dirty="0" smtClean="0"/>
+              <a:t>Clickable “Eat” “Watch” “Drink” buttons</a:t>
+            </a:r>
+            <a:endParaRPr lang="en-US" dirty="0"/>
+          </a:p>
+          <a:p>
+            <a:r>
+              <a:rPr lang="en-US" dirty="0" smtClean="0"/>
+              <a:t>Connect </a:t>
+            </a:r>
+            <a:r>
+              <a:rPr lang="en-US" dirty="0"/>
+              <a:t>API data </a:t>
+            </a:r>
+          </a:p>
+          <a:p>
+            <a:r>
+              <a:rPr lang="en-US" dirty="0" smtClean="0"/>
+              <a:t>Add </a:t>
+            </a:r>
+            <a:r>
+              <a:rPr lang="en-US" dirty="0" err="1"/>
+              <a:t>Spotify</a:t>
+            </a:r>
+            <a:r>
+              <a:rPr lang="en-US" dirty="0"/>
+              <a:t> Playlists!</a:t>
+            </a:r>
+          </a:p>
+          <a:p>
+            <a:r>
+              <a:rPr lang="en-US" dirty="0" smtClean="0"/>
+              <a:t>Search </a:t>
+            </a:r>
+            <a:r>
+              <a:rPr lang="en-US" dirty="0"/>
+              <a:t>by media </a:t>
+            </a:r>
+            <a:r>
+              <a:rPr lang="en-US" dirty="0" smtClean="0"/>
+              <a:t>title</a:t>
+            </a:r>
+          </a:p>
+          <a:p>
+            <a:r>
+              <a:rPr lang="en-US" dirty="0" smtClean="0"/>
+              <a:t>Limiting to </a:t>
+            </a:r>
+            <a:r>
+              <a:rPr lang="en-US" smtClean="0"/>
+              <a:t>1 vote </a:t>
+            </a:r>
+            <a:endParaRPr lang="en-US" dirty="0"/>
+          </a:p>
+          <a:p>
+            <a:pPr marL="0" indent="0">
+              <a:buNone/>
+            </a:pPr>
+            <a:r>
+              <a:rPr lang="en-US" dirty="0" smtClean="0"/>
+              <a:t>Version 4 </a:t>
+            </a:r>
+          </a:p>
+          <a:p>
+            <a:r>
+              <a:rPr lang="en-US" dirty="0" smtClean="0"/>
+              <a:t> </a:t>
+            </a:r>
+            <a:r>
+              <a:rPr lang="en-US" dirty="0"/>
+              <a:t>"I'm Feeling Lucky" - users can get a random recommendation</a:t>
+            </a:r>
+          </a:p>
+        </p:txBody>
+      </p:sp>
+    </p:spTree>
+    <p:extLst>
+      <p:ext uri="{BB962C8B-B14F-4D97-AF65-F5344CB8AC3E}">
+        <p14:creationId xmlns:p14="http://schemas.microsoft.com/office/powerpoint/2010/main" val="155546914"/>
+      </p:ext>
+    </p:extLst>
+  </p:cSld>
+  <p:clrMapOvr>
+    <a:masterClrMapping/>
+  </p:clrMapOvr>
+  <p:timing>
+    <p:tnLst>
+      <p:par>
+        <p:cTn xmlns:p14="http://schemas.microsoft.com/office/powerpoint/2010/main" id="1" dur="indefinite" restart="never" nodeType="tmRoot"/>
+      </p:par>
+    </p:tnLst>
+  </p:timing>
+</p:sld>
+</file>
+
+<file path=ppt/slides/slide9.xml><?xml version="1.0" encoding="utf-8"?>
+<p:sld xmlns:a="http://schemas.openxmlformats.org/drawingml/2006/main" xmlns:r="http://schemas.openxmlformats.org/officeDocument/2006/relationships" xmlns:p="http://schemas.openxmlformats.org/presentationml/2006/main">
+  <p:cSld>
+    <p:spTree>
+      <p:nvGrpSpPr>
+        <p:cNvPr id="1" name=""/>
+        <p:cNvGrpSpPr/>
+        <p:nvPr/>
+      </p:nvGrpSpPr>
+      <p:grpSpPr>
+        <a:xfrm>
+          <a:off x="0" y="0"/>
+          <a:ext cx="0" cy="0"/>
+          <a:chOff x="0" y="0"/>
+          <a:chExt cx="0" cy="0"/>
+        </a:xfrm>
+      </p:grpSpPr>
       <p:sp>
         <p:nvSpPr>
           <p:cNvPr id="2" name="Title 1"/>
@@ -4822,7 +5200,12 @@
           <a:srcRect l="-56659" t="-77409" r="-55466" b="-108428"/>
           <a:stretch/>
         </p:blipFill>
-        <p:spPr/>
+        <p:spPr>
+          <a:xfrm>
+            <a:off x="1394039" y="1887091"/>
+            <a:ext cx="6412992" cy="3329823"/>
+          </a:xfrm>
+        </p:spPr>
       </p:pic>
     </p:spTree>
     <p:extLst>
